--- a/papers/Graphonomy_Universal_Human_Parsing_via_Graph_Transfer_Learning/Graphonomy.pptx
+++ b/papers/Graphonomy_Universal_Human_Parsing_via_Graph_Transfer_Learning/Graphonomy.pptx
@@ -6,6 +6,9 @@
   </p:sldMasterIdLst>
   <p:sldIdLst>
     <p:sldId id="256" r:id="rId2"/>
+    <p:sldId id="257" r:id="rId3"/>
+    <p:sldId id="258" r:id="rId4"/>
+    <p:sldId id="259" r:id="rId5"/>
   </p:sldIdLst>
   <p:sldSz cx="12192000" cy="6858000"/>
   <p:notesSz cx="6858000" cy="9144000"/>
@@ -3609,52 +3612,257 @@
           <a:chExt cx="0" cy="0"/>
         </a:xfrm>
       </p:grpSpPr>
-      <p:sp>
-        <p:nvSpPr>
-          <p:cNvPr id="2" name="タイトル 1">
-            <a:extLst>
-              <a:ext uri="{FF2B5EF4-FFF2-40B4-BE49-F238E27FC236}">
-                <a16:creationId xmlns:a16="http://schemas.microsoft.com/office/drawing/2014/main" id="{0E553799-7571-4641-B956-10FB6AC82CFB}"/>
-              </a:ext>
-            </a:extLst>
-          </p:cNvPr>
-          <p:cNvSpPr>
-            <a:spLocks noGrp="1"/>
-          </p:cNvSpPr>
-          <p:nvPr>
-            <p:ph type="ctrTitle"/>
-          </p:nvPr>
-        </p:nvSpPr>
-        <p:spPr/>
-        <p:txBody>
-          <a:bodyPr/>
+      <p:pic>
+        <p:nvPicPr>
+          <p:cNvPr id="1026" name="Picture 2" descr="qdeJ9-enuI &#10;qdeJ9-•aWI &#10;u04 」 uuo ">
+            <a:extLst>
+              <a:ext uri="{FF2B5EF4-FFF2-40B4-BE49-F238E27FC236}">
+                <a16:creationId xmlns:a16="http://schemas.microsoft.com/office/drawing/2014/main" id="{456E6908-BE2B-7342-A634-49ACD0A09CC2}"/>
+              </a:ext>
+            </a:extLst>
+          </p:cNvPr>
+          <p:cNvPicPr>
+            <a:picLocks noChangeAspect="1" noChangeArrowheads="1"/>
+          </p:cNvPicPr>
+          <p:nvPr/>
+        </p:nvPicPr>
+        <p:blipFill>
+          <a:blip r:embed="rId2">
+            <a:extLst>
+              <a:ext uri="{28A0092B-C50C-407E-A947-70E740481C1C}">
+                <a14:useLocalDpi xmlns:a14="http://schemas.microsoft.com/office/drawing/2010/main" val="0"/>
+              </a:ext>
+            </a:extLst>
+          </a:blip>
+          <a:srcRect/>
+          <a:stretch>
+            <a:fillRect/>
+          </a:stretch>
+        </p:blipFill>
+        <p:spPr bwMode="auto">
+          <a:xfrm>
+            <a:off x="3225800" y="787400"/>
+            <a:ext cx="5740400" cy="5283200"/>
+          </a:xfrm>
+          <a:prstGeom prst="rect">
+            <a:avLst/>
+          </a:prstGeom>
+          <a:noFill/>
+          <a:extLst>
+            <a:ext uri="{909E8E84-426E-40DD-AFC4-6F175D3DCCD1}">
+              <a14:hiddenFill xmlns:a14="http://schemas.microsoft.com/office/drawing/2010/main">
+                <a:solidFill>
+                  <a:srgbClr val="FFFFFF"/>
+                </a:solidFill>
+              </a14:hiddenFill>
+            </a:ext>
+          </a:extLst>
+        </p:spPr>
+      </p:pic>
+      <p:sp>
+        <p:nvSpPr>
+          <p:cNvPr id="5" name="円/楕円 4">
+            <a:extLst>
+              <a:ext uri="{FF2B5EF4-FFF2-40B4-BE49-F238E27FC236}">
+                <a16:creationId xmlns:a16="http://schemas.microsoft.com/office/drawing/2014/main" id="{BB17B428-44C4-DA46-A363-0D50BCB2387A}"/>
+              </a:ext>
+            </a:extLst>
+          </p:cNvPr>
+          <p:cNvSpPr/>
+          <p:nvPr/>
+        </p:nvSpPr>
+        <p:spPr>
+          <a:xfrm>
+            <a:off x="4942114" y="1959429"/>
+            <a:ext cx="859972" cy="827314"/>
+          </a:xfrm>
+          <a:prstGeom prst="ellipse">
+            <a:avLst/>
+          </a:prstGeom>
+          <a:noFill/>
+          <a:ln w="22225">
+            <a:solidFill>
+              <a:srgbClr val="FF0000"/>
+            </a:solidFill>
+          </a:ln>
+        </p:spPr>
+        <p:style>
+          <a:lnRef idx="2">
+            <a:schemeClr val="accent1">
+              <a:shade val="50000"/>
+            </a:schemeClr>
+          </a:lnRef>
+          <a:fillRef idx="1">
+            <a:schemeClr val="accent1"/>
+          </a:fillRef>
+          <a:effectRef idx="0">
+            <a:schemeClr val="accent1"/>
+          </a:effectRef>
+          <a:fontRef idx="minor">
+            <a:schemeClr val="lt1"/>
+          </a:fontRef>
+        </p:style>
+        <p:txBody>
+          <a:bodyPr rtlCol="0" anchor="ctr"/>
           <a:lstStyle/>
           <a:p>
+            <a:pPr algn="ctr"/>
             <a:endParaRPr kumimoji="1" lang="ja-JP" altLang="en-US"/>
           </a:p>
         </p:txBody>
       </p:sp>
       <p:sp>
         <p:nvSpPr>
-          <p:cNvPr id="3" name="字幕 2">
-            <a:extLst>
-              <a:ext uri="{FF2B5EF4-FFF2-40B4-BE49-F238E27FC236}">
-                <a16:creationId xmlns:a16="http://schemas.microsoft.com/office/drawing/2014/main" id="{B7DAAE52-951F-A947-B802-16BA18D1592D}"/>
-              </a:ext>
-            </a:extLst>
-          </p:cNvPr>
-          <p:cNvSpPr>
-            <a:spLocks noGrp="1"/>
-          </p:cNvSpPr>
-          <p:nvPr>
-            <p:ph type="subTitle" idx="1"/>
-          </p:nvPr>
-        </p:nvSpPr>
-        <p:spPr/>
-        <p:txBody>
-          <a:bodyPr/>
+          <p:cNvPr id="7" name="円/楕円 6">
+            <a:extLst>
+              <a:ext uri="{FF2B5EF4-FFF2-40B4-BE49-F238E27FC236}">
+                <a16:creationId xmlns:a16="http://schemas.microsoft.com/office/drawing/2014/main" id="{42B02243-D890-DD40-B8B5-AF0F100A899D}"/>
+              </a:ext>
+            </a:extLst>
+          </p:cNvPr>
+          <p:cNvSpPr/>
+          <p:nvPr/>
+        </p:nvSpPr>
+        <p:spPr>
+          <a:xfrm>
+            <a:off x="5008790" y="3958772"/>
+            <a:ext cx="663347" cy="641802"/>
+          </a:xfrm>
+          <a:prstGeom prst="ellipse">
+            <a:avLst/>
+          </a:prstGeom>
+          <a:noFill/>
+          <a:ln w="22225">
+            <a:solidFill>
+              <a:srgbClr val="FF0000"/>
+            </a:solidFill>
+          </a:ln>
+        </p:spPr>
+        <p:style>
+          <a:lnRef idx="2">
+            <a:schemeClr val="accent1">
+              <a:shade val="50000"/>
+            </a:schemeClr>
+          </a:lnRef>
+          <a:fillRef idx="1">
+            <a:schemeClr val="accent1"/>
+          </a:fillRef>
+          <a:effectRef idx="0">
+            <a:schemeClr val="accent1"/>
+          </a:effectRef>
+          <a:fontRef idx="minor">
+            <a:schemeClr val="lt1"/>
+          </a:fontRef>
+        </p:style>
+        <p:txBody>
+          <a:bodyPr rtlCol="0" anchor="ctr"/>
           <a:lstStyle/>
           <a:p>
+            <a:pPr algn="ctr"/>
+            <a:endParaRPr kumimoji="1" lang="ja-JP" altLang="en-US"/>
+          </a:p>
+        </p:txBody>
+      </p:sp>
+      <p:sp>
+        <p:nvSpPr>
+          <p:cNvPr id="8" name="円/楕円 7">
+            <a:extLst>
+              <a:ext uri="{FF2B5EF4-FFF2-40B4-BE49-F238E27FC236}">
+                <a16:creationId xmlns:a16="http://schemas.microsoft.com/office/drawing/2014/main" id="{DC80BC05-CE40-974F-9C62-6F7EBF0ADE33}"/>
+              </a:ext>
+            </a:extLst>
+          </p:cNvPr>
+          <p:cNvSpPr/>
+          <p:nvPr/>
+        </p:nvSpPr>
+        <p:spPr>
+          <a:xfrm>
+            <a:off x="5297599" y="3093811"/>
+            <a:ext cx="663347" cy="641802"/>
+          </a:xfrm>
+          <a:prstGeom prst="ellipse">
+            <a:avLst/>
+          </a:prstGeom>
+          <a:noFill/>
+          <a:ln w="22225">
+            <a:solidFill>
+              <a:srgbClr val="FF0000"/>
+            </a:solidFill>
+          </a:ln>
+        </p:spPr>
+        <p:style>
+          <a:lnRef idx="2">
+            <a:schemeClr val="accent1">
+              <a:shade val="50000"/>
+            </a:schemeClr>
+          </a:lnRef>
+          <a:fillRef idx="1">
+            <a:schemeClr val="accent1"/>
+          </a:fillRef>
+          <a:effectRef idx="0">
+            <a:schemeClr val="accent1"/>
+          </a:effectRef>
+          <a:fontRef idx="minor">
+            <a:schemeClr val="lt1"/>
+          </a:fontRef>
+        </p:style>
+        <p:txBody>
+          <a:bodyPr rtlCol="0" anchor="ctr"/>
+          <a:lstStyle/>
+          <a:p>
+            <a:pPr algn="ctr"/>
+            <a:endParaRPr kumimoji="1" lang="ja-JP" altLang="en-US"/>
+          </a:p>
+        </p:txBody>
+      </p:sp>
+      <p:sp>
+        <p:nvSpPr>
+          <p:cNvPr id="9" name="円/楕円 8">
+            <a:extLst>
+              <a:ext uri="{FF2B5EF4-FFF2-40B4-BE49-F238E27FC236}">
+                <a16:creationId xmlns:a16="http://schemas.microsoft.com/office/drawing/2014/main" id="{AEB3B76C-B771-B446-97B4-E633977D295B}"/>
+              </a:ext>
+            </a:extLst>
+          </p:cNvPr>
+          <p:cNvSpPr/>
+          <p:nvPr/>
+        </p:nvSpPr>
+        <p:spPr>
+          <a:xfrm>
+            <a:off x="5899382" y="3415168"/>
+            <a:ext cx="620483" cy="641802"/>
+          </a:xfrm>
+          <a:prstGeom prst="ellipse">
+            <a:avLst/>
+          </a:prstGeom>
+          <a:noFill/>
+          <a:ln w="22225">
+            <a:solidFill>
+              <a:srgbClr val="FF0000"/>
+            </a:solidFill>
+          </a:ln>
+        </p:spPr>
+        <p:style>
+          <a:lnRef idx="2">
+            <a:schemeClr val="accent1">
+              <a:shade val="50000"/>
+            </a:schemeClr>
+          </a:lnRef>
+          <a:fillRef idx="1">
+            <a:schemeClr val="accent1"/>
+          </a:fillRef>
+          <a:effectRef idx="0">
+            <a:schemeClr val="accent1"/>
+          </a:effectRef>
+          <a:fontRef idx="minor">
+            <a:schemeClr val="lt1"/>
+          </a:fontRef>
+        </p:style>
+        <p:txBody>
+          <a:bodyPr rtlCol="0" anchor="ctr"/>
+          <a:lstStyle/>
+          <a:p>
+            <a:pPr algn="ctr"/>
             <a:endParaRPr kumimoji="1" lang="ja-JP" altLang="en-US"/>
           </a:p>
         </p:txBody>
@@ -3663,6 +3871,2964 @@
     <p:extLst>
       <p:ext uri="{BB962C8B-B14F-4D97-AF65-F5344CB8AC3E}">
         <p14:creationId xmlns:p14="http://schemas.microsoft.com/office/powerpoint/2010/main" val="2085935596"/>
+      </p:ext>
+    </p:extLst>
+  </p:cSld>
+  <p:clrMapOvr>
+    <a:masterClrMapping/>
+  </p:clrMapOvr>
+</p:sld>
+</file>
+
+<file path=ppt/slides/slide2.xml><?xml version="1.0" encoding="utf-8"?>
+<p:sld xmlns:a="http://schemas.openxmlformats.org/drawingml/2006/main" xmlns:r="http://schemas.openxmlformats.org/officeDocument/2006/relationships" xmlns:p="http://schemas.openxmlformats.org/presentationml/2006/main">
+  <p:cSld>
+    <p:spTree>
+      <p:nvGrpSpPr>
+        <p:cNvPr id="1" name=""/>
+        <p:cNvGrpSpPr/>
+        <p:nvPr/>
+      </p:nvGrpSpPr>
+      <p:grpSpPr>
+        <a:xfrm>
+          <a:off x="0" y="0"/>
+          <a:ext cx="0" cy="0"/>
+          <a:chOff x="0" y="0"/>
+          <a:chExt cx="0" cy="0"/>
+        </a:xfrm>
+      </p:grpSpPr>
+      <p:pic>
+        <p:nvPicPr>
+          <p:cNvPr id="2050" name="Picture 2" descr="C ets &#10;Intra-Gra* &#10;Graph &#10;between tm &#10;*man tk within a &#10;across different datasets ">
+            <a:extLst>
+              <a:ext uri="{FF2B5EF4-FFF2-40B4-BE49-F238E27FC236}">
+                <a16:creationId xmlns:a16="http://schemas.microsoft.com/office/drawing/2014/main" id="{B9D6162C-F7D8-D649-AB10-F5CAB9BA19E3}"/>
+              </a:ext>
+            </a:extLst>
+          </p:cNvPr>
+          <p:cNvPicPr>
+            <a:picLocks noChangeAspect="1" noChangeArrowheads="1"/>
+          </p:cNvPicPr>
+          <p:nvPr/>
+        </p:nvPicPr>
+        <p:blipFill>
+          <a:blip r:embed="rId2">
+            <a:extLst>
+              <a:ext uri="{28A0092B-C50C-407E-A947-70E740481C1C}">
+                <a14:useLocalDpi xmlns:a14="http://schemas.microsoft.com/office/drawing/2010/main" val="0"/>
+              </a:ext>
+            </a:extLst>
+          </a:blip>
+          <a:srcRect/>
+          <a:stretch>
+            <a:fillRect/>
+          </a:stretch>
+        </p:blipFill>
+        <p:spPr bwMode="auto">
+          <a:xfrm>
+            <a:off x="428625" y="1638301"/>
+            <a:ext cx="10344150" cy="3061491"/>
+          </a:xfrm>
+          <a:prstGeom prst="rect">
+            <a:avLst/>
+          </a:prstGeom>
+          <a:noFill/>
+          <a:extLst>
+            <a:ext uri="{909E8E84-426E-40DD-AFC4-6F175D3DCCD1}">
+              <a14:hiddenFill xmlns:a14="http://schemas.microsoft.com/office/drawing/2010/main">
+                <a:solidFill>
+                  <a:srgbClr val="FFFFFF"/>
+                </a:solidFill>
+              </a14:hiddenFill>
+            </a:ext>
+          </a:extLst>
+        </p:spPr>
+      </p:pic>
+      <mc:AlternateContent xmlns:mc="http://schemas.openxmlformats.org/markup-compatibility/2006">
+        <mc:Choice xmlns:a14="http://schemas.microsoft.com/office/drawing/2010/main" Requires="a14">
+          <p:sp>
+            <p:nvSpPr>
+              <p:cNvPr id="4" name="テキスト ボックス 3">
+                <a:extLst>
+                  <a:ext uri="{FF2B5EF4-FFF2-40B4-BE49-F238E27FC236}">
+                    <a16:creationId xmlns:a16="http://schemas.microsoft.com/office/drawing/2014/main" id="{86D36C1F-73C9-9545-B55F-622F8BF8DC6D}"/>
+                  </a:ext>
+                </a:extLst>
+              </p:cNvPr>
+              <p:cNvSpPr txBox="1"/>
+              <p:nvPr/>
+            </p:nvSpPr>
+            <p:spPr>
+              <a:xfrm>
+                <a:off x="685800" y="1869133"/>
+                <a:ext cx="1517210" cy="369332"/>
+              </a:xfrm>
+              <a:prstGeom prst="rect">
+                <a:avLst/>
+              </a:prstGeom>
+              <a:noFill/>
+            </p:spPr>
+            <p:txBody>
+              <a:bodyPr wrap="none" rtlCol="0">
+                <a:spAutoFit/>
+              </a:bodyPr>
+              <a:lstStyle/>
+              <a:p>
+                <a14:m>
+                  <m:oMathPara xmlns:m="http://schemas.openxmlformats.org/officeDocument/2006/math">
+                    <m:oMathParaPr>
+                      <m:jc m:val="centerGroup"/>
+                    </m:oMathParaPr>
+                    <m:oMath xmlns:m="http://schemas.openxmlformats.org/officeDocument/2006/math">
+                      <m:r>
+                        <a:rPr lang="x-none" altLang="ja-JP"/>
+                        <m:t>𝑍</m:t>
+                      </m:r>
+                      <m:r>
+                        <a:rPr lang="x-none" altLang="ja-JP"/>
+                        <m:t>=</m:t>
+                      </m:r>
+                      <m:r>
+                        <a:rPr lang="x-none" altLang="ja-JP"/>
+                        <m:t>𝜙</m:t>
+                      </m:r>
+                      <m:d>
+                        <m:dPr>
+                          <m:ctrlPr>
+                            <a:rPr lang="x-none" altLang="ja-JP" i="1"/>
+                          </m:ctrlPr>
+                        </m:dPr>
+                        <m:e>
+                          <m:r>
+                            <a:rPr lang="x-none" altLang="ja-JP"/>
+                            <m:t>𝑋</m:t>
+                          </m:r>
+                          <m:r>
+                            <a:rPr lang="x-none" altLang="ja-JP"/>
+                            <m:t>,</m:t>
+                          </m:r>
+                          <m:r>
+                            <a:rPr lang="x-none" altLang="ja-JP"/>
+                            <m:t>𝑊</m:t>
+                          </m:r>
+                        </m:e>
+                      </m:d>
+                    </m:oMath>
+                  </m:oMathPara>
+                </a14:m>
+                <a:endParaRPr lang="x-none" altLang="ja-JP"/>
+              </a:p>
+            </p:txBody>
+          </p:sp>
+        </mc:Choice>
+        <mc:Fallback>
+          <p:sp>
+            <p:nvSpPr>
+              <p:cNvPr id="4" name="テキスト ボックス 3">
+                <a:extLst>
+                  <a:ext uri="{FF2B5EF4-FFF2-40B4-BE49-F238E27FC236}">
+                    <a16:creationId xmlns:a16="http://schemas.microsoft.com/office/drawing/2014/main" id="{86D36C1F-73C9-9545-B55F-622F8BF8DC6D}"/>
+                  </a:ext>
+                </a:extLst>
+              </p:cNvPr>
+              <p:cNvSpPr txBox="1">
+                <a:spLocks noRot="1" noChangeAspect="1" noMove="1" noResize="1" noEditPoints="1" noAdjustHandles="1" noChangeArrowheads="1" noChangeShapeType="1" noTextEdit="1"/>
+              </p:cNvSpPr>
+              <p:nvPr/>
+            </p:nvSpPr>
+            <p:spPr>
+              <a:xfrm>
+                <a:off x="685800" y="1869133"/>
+                <a:ext cx="1517210" cy="369332"/>
+              </a:xfrm>
+              <a:prstGeom prst="rect">
+                <a:avLst/>
+              </a:prstGeom>
+              <a:blipFill>
+                <a:blip r:embed="rId3"/>
+                <a:stretch>
+                  <a:fillRect b="-13333"/>
+                </a:stretch>
+              </a:blipFill>
+            </p:spPr>
+            <p:txBody>
+              <a:bodyPr/>
+              <a:lstStyle/>
+              <a:p>
+                <a:r>
+                  <a:rPr lang="ja-JP" altLang="en-US">
+                    <a:noFill/>
+                  </a:rPr>
+                  <a:t> </a:t>
+                </a:r>
+              </a:p>
+            </p:txBody>
+          </p:sp>
+        </mc:Fallback>
+      </mc:AlternateContent>
+      <p:sp>
+        <p:nvSpPr>
+          <p:cNvPr id="5" name="テキスト ボックス 4">
+            <a:extLst>
+              <a:ext uri="{FF2B5EF4-FFF2-40B4-BE49-F238E27FC236}">
+                <a16:creationId xmlns:a16="http://schemas.microsoft.com/office/drawing/2014/main" id="{6D862091-DC9E-B744-AA56-F8187784D3B1}"/>
+              </a:ext>
+            </a:extLst>
+          </p:cNvPr>
+          <p:cNvSpPr txBox="1"/>
+          <p:nvPr/>
+        </p:nvSpPr>
+        <p:spPr>
+          <a:xfrm>
+            <a:off x="685800" y="1407468"/>
+            <a:ext cx="2185214" cy="461665"/>
+          </a:xfrm>
+          <a:prstGeom prst="rect">
+            <a:avLst/>
+          </a:prstGeom>
+          <a:noFill/>
+        </p:spPr>
+        <p:txBody>
+          <a:bodyPr wrap="none" rtlCol="0">
+            <a:spAutoFit/>
+          </a:bodyPr>
+          <a:lstStyle/>
+          <a:p>
+            <a:r>
+              <a:rPr lang="en-US" altLang="ja-JP" sz="1200"/>
+              <a:t>画像から抽出された特徴量を</a:t>
+            </a:r>
+          </a:p>
+          <a:p>
+            <a:r>
+              <a:rPr lang="en-US" altLang="ja-JP" sz="1200"/>
+              <a:t>グラフへ写像</a:t>
+            </a:r>
+          </a:p>
+        </p:txBody>
+      </p:sp>
+      <p:cxnSp>
+        <p:nvCxnSpPr>
+          <p:cNvPr id="7" name="直線矢印コネクタ 6">
+            <a:extLst>
+              <a:ext uri="{FF2B5EF4-FFF2-40B4-BE49-F238E27FC236}">
+                <a16:creationId xmlns:a16="http://schemas.microsoft.com/office/drawing/2014/main" id="{CFA19BEF-BDD0-B849-8F1C-88F07CDBA020}"/>
+              </a:ext>
+            </a:extLst>
+          </p:cNvPr>
+          <p:cNvCxnSpPr/>
+          <p:nvPr/>
+        </p:nvCxnSpPr>
+        <p:spPr>
+          <a:xfrm>
+            <a:off x="2057400" y="2371725"/>
+            <a:ext cx="385763" cy="600075"/>
+          </a:xfrm>
+          <a:prstGeom prst="straightConnector1">
+            <a:avLst/>
+          </a:prstGeom>
+          <a:ln>
+            <a:tailEnd type="triangle"/>
+          </a:ln>
+        </p:spPr>
+        <p:style>
+          <a:lnRef idx="1">
+            <a:schemeClr val="accent1"/>
+          </a:lnRef>
+          <a:fillRef idx="0">
+            <a:schemeClr val="accent1"/>
+          </a:fillRef>
+          <a:effectRef idx="0">
+            <a:schemeClr val="accent1"/>
+          </a:effectRef>
+          <a:fontRef idx="minor">
+            <a:schemeClr val="tx1"/>
+          </a:fontRef>
+        </p:style>
+      </p:cxnSp>
+      <mc:AlternateContent xmlns:mc="http://schemas.openxmlformats.org/markup-compatibility/2006">
+        <mc:Choice xmlns:a14="http://schemas.microsoft.com/office/drawing/2010/main" Requires="a14">
+          <p:sp>
+            <p:nvSpPr>
+              <p:cNvPr id="8" name="テキスト ボックス 7">
+                <a:extLst>
+                  <a:ext uri="{FF2B5EF4-FFF2-40B4-BE49-F238E27FC236}">
+                    <a16:creationId xmlns:a16="http://schemas.microsoft.com/office/drawing/2014/main" id="{D432B909-0078-064D-AA2D-193CCA5AD77A}"/>
+                  </a:ext>
+                </a:extLst>
+              </p:cNvPr>
+              <p:cNvSpPr txBox="1"/>
+              <p:nvPr/>
+            </p:nvSpPr>
+            <p:spPr>
+              <a:xfrm>
+                <a:off x="3000710" y="1384385"/>
+                <a:ext cx="1689950" cy="276999"/>
+              </a:xfrm>
+              <a:prstGeom prst="rect">
+                <a:avLst/>
+              </a:prstGeom>
+              <a:noFill/>
+            </p:spPr>
+            <p:txBody>
+              <a:bodyPr wrap="none" rtlCol="0">
+                <a:spAutoFit/>
+              </a:bodyPr>
+              <a:lstStyle/>
+              <a:p>
+                <a:r>
+                  <a:rPr lang="ja-JP" altLang="en-US" sz="1200"/>
+                  <a:t>無向グラフ</a:t>
+                </a:r>
+                <a:r>
+                  <a:rPr lang="en-US" altLang="ja-JP" sz="1200"/>
+                  <a:t> </a:t>
+                </a:r>
+                <a14:m>
+                  <m:oMath xmlns:m="http://schemas.openxmlformats.org/officeDocument/2006/math">
+                    <m:r>
+                      <a:rPr lang="x-none" altLang="ja-JP" sz="1200"/>
+                      <m:t>𝐺</m:t>
+                    </m:r>
+                    <m:r>
+                      <a:rPr lang="x-none" altLang="ja-JP" sz="1200"/>
+                      <m:t>=</m:t>
+                    </m:r>
+                    <m:d>
+                      <m:dPr>
+                        <m:ctrlPr>
+                          <a:rPr lang="x-none" altLang="ja-JP" sz="1200" i="1"/>
+                        </m:ctrlPr>
+                      </m:dPr>
+                      <m:e>
+                        <m:r>
+                          <a:rPr lang="x-none" altLang="ja-JP" sz="1200"/>
+                          <m:t>𝑉</m:t>
+                        </m:r>
+                        <m:r>
+                          <a:rPr lang="x-none" altLang="ja-JP" sz="1200"/>
+                          <m:t>,</m:t>
+                        </m:r>
+                        <m:r>
+                          <a:rPr lang="x-none" altLang="ja-JP" sz="1200"/>
+                          <m:t>𝐸</m:t>
+                        </m:r>
+                      </m:e>
+                    </m:d>
+                  </m:oMath>
+                </a14:m>
+                <a:endParaRPr lang="x-none" altLang="ja-JP" sz="1200"/>
+              </a:p>
+            </p:txBody>
+          </p:sp>
+        </mc:Choice>
+        <mc:Fallback>
+          <p:sp>
+            <p:nvSpPr>
+              <p:cNvPr id="8" name="テキスト ボックス 7">
+                <a:extLst>
+                  <a:ext uri="{FF2B5EF4-FFF2-40B4-BE49-F238E27FC236}">
+                    <a16:creationId xmlns:a16="http://schemas.microsoft.com/office/drawing/2014/main" id="{D432B909-0078-064D-AA2D-193CCA5AD77A}"/>
+                  </a:ext>
+                </a:extLst>
+              </p:cNvPr>
+              <p:cNvSpPr txBox="1">
+                <a:spLocks noRot="1" noChangeAspect="1" noMove="1" noResize="1" noEditPoints="1" noAdjustHandles="1" noChangeArrowheads="1" noChangeShapeType="1" noTextEdit="1"/>
+              </p:cNvSpPr>
+              <p:nvPr/>
+            </p:nvSpPr>
+            <p:spPr>
+              <a:xfrm>
+                <a:off x="3000710" y="1384385"/>
+                <a:ext cx="1689950" cy="276999"/>
+              </a:xfrm>
+              <a:prstGeom prst="rect">
+                <a:avLst/>
+              </a:prstGeom>
+              <a:blipFill>
+                <a:blip r:embed="rId4"/>
+                <a:stretch>
+                  <a:fillRect b="-8696"/>
+                </a:stretch>
+              </a:blipFill>
+            </p:spPr>
+            <p:txBody>
+              <a:bodyPr/>
+              <a:lstStyle/>
+              <a:p>
+                <a:r>
+                  <a:rPr lang="ja-JP" altLang="en-US">
+                    <a:noFill/>
+                  </a:rPr>
+                  <a:t> </a:t>
+                </a:r>
+              </a:p>
+            </p:txBody>
+          </p:sp>
+        </mc:Fallback>
+      </mc:AlternateContent>
+      <mc:AlternateContent xmlns:mc="http://schemas.openxmlformats.org/markup-compatibility/2006">
+        <mc:Choice xmlns:a14="http://schemas.microsoft.com/office/drawing/2010/main" Requires="a14">
+          <p:sp>
+            <p:nvSpPr>
+              <p:cNvPr id="9" name="テキスト ボックス 8">
+                <a:extLst>
+                  <a:ext uri="{FF2B5EF4-FFF2-40B4-BE49-F238E27FC236}">
+                    <a16:creationId xmlns:a16="http://schemas.microsoft.com/office/drawing/2014/main" id="{C1F3B63E-01EA-904C-B667-4A7EFBE9566E}"/>
+                  </a:ext>
+                </a:extLst>
+              </p:cNvPr>
+              <p:cNvSpPr txBox="1"/>
+              <p:nvPr/>
+            </p:nvSpPr>
+            <p:spPr>
+              <a:xfrm>
+                <a:off x="4214813" y="1776800"/>
+                <a:ext cx="636777" cy="276999"/>
+              </a:xfrm>
+              <a:prstGeom prst="rect">
+                <a:avLst/>
+              </a:prstGeom>
+              <a:noFill/>
+            </p:spPr>
+            <p:txBody>
+              <a:bodyPr wrap="none" rtlCol="0">
+                <a:spAutoFit/>
+              </a:bodyPr>
+              <a:lstStyle/>
+              <a:p>
+                <a:r>
+                  <a:rPr lang="ja-JP" altLang="en-US" sz="1200"/>
+                  <a:t>頂点</a:t>
+                </a:r>
+                <a:r>
+                  <a:rPr lang="en-US" altLang="ja-JP" sz="1200"/>
+                  <a:t> </a:t>
+                </a:r>
+                <a14:m>
+                  <m:oMath xmlns:m="http://schemas.openxmlformats.org/officeDocument/2006/math">
+                    <m:r>
+                      <a:rPr lang="x-none" altLang="ja-JP" sz="1200" smtClean="0">
+                        <a:latin typeface="Cambria Math" panose="02040503050406030204" pitchFamily="18" charset="0"/>
+                      </a:rPr>
+                      <m:t>𝑉</m:t>
+                    </m:r>
+                  </m:oMath>
+                </a14:m>
+                <a:endParaRPr kumimoji="1" lang="ja-JP" altLang="en-US" sz="1200"/>
+              </a:p>
+            </p:txBody>
+          </p:sp>
+        </mc:Choice>
+        <mc:Fallback>
+          <p:sp>
+            <p:nvSpPr>
+              <p:cNvPr id="9" name="テキスト ボックス 8">
+                <a:extLst>
+                  <a:ext uri="{FF2B5EF4-FFF2-40B4-BE49-F238E27FC236}">
+                    <a16:creationId xmlns:a16="http://schemas.microsoft.com/office/drawing/2014/main" id="{C1F3B63E-01EA-904C-B667-4A7EFBE9566E}"/>
+                  </a:ext>
+                </a:extLst>
+              </p:cNvPr>
+              <p:cNvSpPr txBox="1">
+                <a:spLocks noRot="1" noChangeAspect="1" noMove="1" noResize="1" noEditPoints="1" noAdjustHandles="1" noChangeArrowheads="1" noChangeShapeType="1" noTextEdit="1"/>
+              </p:cNvSpPr>
+              <p:nvPr/>
+            </p:nvSpPr>
+            <p:spPr>
+              <a:xfrm>
+                <a:off x="4214813" y="1776800"/>
+                <a:ext cx="636777" cy="276999"/>
+              </a:xfrm>
+              <a:prstGeom prst="rect">
+                <a:avLst/>
+              </a:prstGeom>
+              <a:blipFill>
+                <a:blip r:embed="rId5"/>
+                <a:stretch>
+                  <a:fillRect b="-8696"/>
+                </a:stretch>
+              </a:blipFill>
+            </p:spPr>
+            <p:txBody>
+              <a:bodyPr/>
+              <a:lstStyle/>
+              <a:p>
+                <a:r>
+                  <a:rPr lang="ja-JP" altLang="en-US">
+                    <a:noFill/>
+                  </a:rPr>
+                  <a:t> </a:t>
+                </a:r>
+              </a:p>
+            </p:txBody>
+          </p:sp>
+        </mc:Fallback>
+      </mc:AlternateContent>
+      <mc:AlternateContent xmlns:mc="http://schemas.openxmlformats.org/markup-compatibility/2006">
+        <mc:Choice xmlns:a14="http://schemas.microsoft.com/office/drawing/2010/main" Requires="a14">
+          <p:sp>
+            <p:nvSpPr>
+              <p:cNvPr id="11" name="テキスト ボックス 10">
+                <a:extLst>
+                  <a:ext uri="{FF2B5EF4-FFF2-40B4-BE49-F238E27FC236}">
+                    <a16:creationId xmlns:a16="http://schemas.microsoft.com/office/drawing/2014/main" id="{B5DA4ECA-C74C-8647-B167-B1E5DDB35171}"/>
+                  </a:ext>
+                </a:extLst>
+              </p:cNvPr>
+              <p:cNvSpPr txBox="1"/>
+              <p:nvPr/>
+            </p:nvSpPr>
+            <p:spPr>
+              <a:xfrm>
+                <a:off x="3362796" y="2238465"/>
+                <a:ext cx="482889" cy="276999"/>
+              </a:xfrm>
+              <a:prstGeom prst="rect">
+                <a:avLst/>
+              </a:prstGeom>
+              <a:noFill/>
+            </p:spPr>
+            <p:txBody>
+              <a:bodyPr wrap="none" rtlCol="0">
+                <a:spAutoFit/>
+              </a:bodyPr>
+              <a:lstStyle/>
+              <a:p>
+                <a:r>
+                  <a:rPr lang="ja-JP" altLang="en-US" sz="1200"/>
+                  <a:t>辺</a:t>
+                </a:r>
+                <a:r>
+                  <a:rPr lang="en-US" altLang="ja-JP" sz="1200"/>
+                  <a:t> </a:t>
+                </a:r>
+                <a14:m>
+                  <m:oMath xmlns:m="http://schemas.openxmlformats.org/officeDocument/2006/math">
+                    <m:r>
+                      <a:rPr lang="en-US" altLang="ja-JP" sz="1200" b="0" i="1" smtClean="0">
+                        <a:latin typeface="Cambria Math" panose="02040503050406030204" pitchFamily="18" charset="0"/>
+                      </a:rPr>
+                      <m:t>𝐸</m:t>
+                    </m:r>
+                  </m:oMath>
+                </a14:m>
+                <a:endParaRPr kumimoji="1" lang="ja-JP" altLang="en-US" sz="1200" i="1"/>
+              </a:p>
+            </p:txBody>
+          </p:sp>
+        </mc:Choice>
+        <mc:Fallback>
+          <p:sp>
+            <p:nvSpPr>
+              <p:cNvPr id="11" name="テキスト ボックス 10">
+                <a:extLst>
+                  <a:ext uri="{FF2B5EF4-FFF2-40B4-BE49-F238E27FC236}">
+                    <a16:creationId xmlns:a16="http://schemas.microsoft.com/office/drawing/2014/main" id="{B5DA4ECA-C74C-8647-B167-B1E5DDB35171}"/>
+                  </a:ext>
+                </a:extLst>
+              </p:cNvPr>
+              <p:cNvSpPr txBox="1">
+                <a:spLocks noRot="1" noChangeAspect="1" noMove="1" noResize="1" noEditPoints="1" noAdjustHandles="1" noChangeArrowheads="1" noChangeShapeType="1" noTextEdit="1"/>
+              </p:cNvSpPr>
+              <p:nvPr/>
+            </p:nvSpPr>
+            <p:spPr>
+              <a:xfrm>
+                <a:off x="3362796" y="2238465"/>
+                <a:ext cx="482889" cy="276999"/>
+              </a:xfrm>
+              <a:prstGeom prst="rect">
+                <a:avLst/>
+              </a:prstGeom>
+              <a:blipFill>
+                <a:blip r:embed="rId6"/>
+                <a:stretch>
+                  <a:fillRect b="-13043"/>
+                </a:stretch>
+              </a:blipFill>
+            </p:spPr>
+            <p:txBody>
+              <a:bodyPr/>
+              <a:lstStyle/>
+              <a:p>
+                <a:r>
+                  <a:rPr lang="ja-JP" altLang="en-US">
+                    <a:noFill/>
+                  </a:rPr>
+                  <a:t> </a:t>
+                </a:r>
+              </a:p>
+            </p:txBody>
+          </p:sp>
+        </mc:Fallback>
+      </mc:AlternateContent>
+      <p:sp>
+        <p:nvSpPr>
+          <p:cNvPr id="10" name="テキスト ボックス 9">
+            <a:extLst>
+              <a:ext uri="{FF2B5EF4-FFF2-40B4-BE49-F238E27FC236}">
+                <a16:creationId xmlns:a16="http://schemas.microsoft.com/office/drawing/2014/main" id="{5BC539CD-B55D-2142-BA2F-F337B352DCDB}"/>
+              </a:ext>
+            </a:extLst>
+          </p:cNvPr>
+          <p:cNvSpPr txBox="1"/>
+          <p:nvPr/>
+        </p:nvSpPr>
+        <p:spPr>
+          <a:xfrm>
+            <a:off x="4071938" y="614363"/>
+            <a:ext cx="3301994" cy="369332"/>
+          </a:xfrm>
+          <a:prstGeom prst="rect">
+            <a:avLst/>
+          </a:prstGeom>
+          <a:noFill/>
+        </p:spPr>
+        <p:txBody>
+          <a:bodyPr wrap="none" rtlCol="0">
+            <a:spAutoFit/>
+          </a:bodyPr>
+          <a:lstStyle/>
+          <a:p>
+            <a:r>
+              <a:rPr kumimoji="1" lang="en-US" altLang="ja-JP">
+                <a:latin typeface="Meiryo UI" panose="020B0604030504040204" pitchFamily="34" charset="-128"/>
+                <a:ea typeface="Meiryo UI" panose="020B0604030504040204" pitchFamily="34" charset="-128"/>
+              </a:rPr>
+              <a:t>【Graphomy </a:t>
+            </a:r>
+            <a:r>
+              <a:rPr kumimoji="1" lang="ja-JP" altLang="en-US">
+                <a:latin typeface="Meiryo UI" panose="020B0604030504040204" pitchFamily="34" charset="-128"/>
+                <a:ea typeface="Meiryo UI" panose="020B0604030504040204" pitchFamily="34" charset="-128"/>
+              </a:rPr>
+              <a:t>のアーキテクチャ図</a:t>
+            </a:r>
+            <a:r>
+              <a:rPr kumimoji="1" lang="en-US" altLang="ja-JP">
+                <a:latin typeface="Meiryo UI" panose="020B0604030504040204" pitchFamily="34" charset="-128"/>
+                <a:ea typeface="Meiryo UI" panose="020B0604030504040204" pitchFamily="34" charset="-128"/>
+              </a:rPr>
+              <a:t>】</a:t>
+            </a:r>
+            <a:endParaRPr kumimoji="1" lang="ja-JP" altLang="en-US">
+              <a:latin typeface="Meiryo UI" panose="020B0604030504040204" pitchFamily="34" charset="-128"/>
+              <a:ea typeface="Meiryo UI" panose="020B0604030504040204" pitchFamily="34" charset="-128"/>
+            </a:endParaRPr>
+          </a:p>
+        </p:txBody>
+      </p:sp>
+      <p:pic>
+        <p:nvPicPr>
+          <p:cNvPr id="13" name="図 12">
+            <a:extLst>
+              <a:ext uri="{FF2B5EF4-FFF2-40B4-BE49-F238E27FC236}">
+                <a16:creationId xmlns:a16="http://schemas.microsoft.com/office/drawing/2014/main" id="{ACB6FF28-FCFC-9448-A53C-D3C70A14F1D3}"/>
+              </a:ext>
+            </a:extLst>
+          </p:cNvPr>
+          <p:cNvPicPr>
+            <a:picLocks noChangeAspect="1"/>
+          </p:cNvPicPr>
+          <p:nvPr/>
+        </p:nvPicPr>
+        <p:blipFill>
+          <a:blip r:embed="rId7"/>
+          <a:stretch>
+            <a:fillRect/>
+          </a:stretch>
+        </p:blipFill>
+        <p:spPr>
+          <a:xfrm>
+            <a:off x="5280244" y="1409699"/>
+            <a:ext cx="1092200" cy="228600"/>
+          </a:xfrm>
+          <a:prstGeom prst="rect">
+            <a:avLst/>
+          </a:prstGeom>
+        </p:spPr>
+      </p:pic>
+      <p:sp>
+        <p:nvSpPr>
+          <p:cNvPr id="14" name="テキスト ボックス 13">
+            <a:extLst>
+              <a:ext uri="{FF2B5EF4-FFF2-40B4-BE49-F238E27FC236}">
+                <a16:creationId xmlns:a16="http://schemas.microsoft.com/office/drawing/2014/main" id="{EFFE0039-3B30-3740-B6B5-B6EBB851121E}"/>
+              </a:ext>
+            </a:extLst>
+          </p:cNvPr>
+          <p:cNvSpPr txBox="1"/>
+          <p:nvPr/>
+        </p:nvSpPr>
+        <p:spPr>
+          <a:xfrm>
+            <a:off x="5098345" y="1130469"/>
+            <a:ext cx="1723549" cy="276999"/>
+          </a:xfrm>
+          <a:prstGeom prst="rect">
+            <a:avLst/>
+          </a:prstGeom>
+          <a:noFill/>
+        </p:spPr>
+        <p:txBody>
+          <a:bodyPr wrap="none" rtlCol="0">
+            <a:spAutoFit/>
+          </a:bodyPr>
+          <a:lstStyle/>
+          <a:p>
+            <a:r>
+              <a:rPr lang="ja-JP" altLang="en-US" sz="1200"/>
+              <a:t>縮約された無向グラフ</a:t>
+            </a:r>
+            <a:endParaRPr kumimoji="1" lang="ja-JP" altLang="en-US" sz="1200"/>
+          </a:p>
+        </p:txBody>
+      </p:sp>
+      <p:pic>
+        <p:nvPicPr>
+          <p:cNvPr id="15" name="図 14">
+            <a:extLst>
+              <a:ext uri="{FF2B5EF4-FFF2-40B4-BE49-F238E27FC236}">
+                <a16:creationId xmlns:a16="http://schemas.microsoft.com/office/drawing/2014/main" id="{8916C926-008B-B84C-9115-F07B52166078}"/>
+              </a:ext>
+            </a:extLst>
+          </p:cNvPr>
+          <p:cNvPicPr>
+            <a:picLocks noChangeAspect="1"/>
+          </p:cNvPicPr>
+          <p:nvPr/>
+        </p:nvPicPr>
+        <p:blipFill>
+          <a:blip r:embed="rId8"/>
+          <a:stretch>
+            <a:fillRect/>
+          </a:stretch>
+        </p:blipFill>
+        <p:spPr>
+          <a:xfrm>
+            <a:off x="4824484" y="4096541"/>
+            <a:ext cx="1358900" cy="203200"/>
+          </a:xfrm>
+          <a:prstGeom prst="rect">
+            <a:avLst/>
+          </a:prstGeom>
+        </p:spPr>
+      </p:pic>
+      <p:cxnSp>
+        <p:nvCxnSpPr>
+          <p:cNvPr id="17" name="直線矢印コネクタ 16">
+            <a:extLst>
+              <a:ext uri="{FF2B5EF4-FFF2-40B4-BE49-F238E27FC236}">
+                <a16:creationId xmlns:a16="http://schemas.microsoft.com/office/drawing/2014/main" id="{05AA37CB-4D54-7041-BBDF-6D7C84FBED3C}"/>
+              </a:ext>
+            </a:extLst>
+          </p:cNvPr>
+          <p:cNvCxnSpPr/>
+          <p:nvPr/>
+        </p:nvCxnSpPr>
+        <p:spPr>
+          <a:xfrm flipH="1" flipV="1">
+            <a:off x="4851590" y="3843338"/>
+            <a:ext cx="106173" cy="253203"/>
+          </a:xfrm>
+          <a:prstGeom prst="straightConnector1">
+            <a:avLst/>
+          </a:prstGeom>
+          <a:ln>
+            <a:tailEnd type="triangle"/>
+          </a:ln>
+        </p:spPr>
+        <p:style>
+          <a:lnRef idx="1">
+            <a:schemeClr val="accent1"/>
+          </a:lnRef>
+          <a:fillRef idx="0">
+            <a:schemeClr val="accent1"/>
+          </a:fillRef>
+          <a:effectRef idx="0">
+            <a:schemeClr val="accent1"/>
+          </a:effectRef>
+          <a:fontRef idx="minor">
+            <a:schemeClr val="tx1"/>
+          </a:fontRef>
+        </p:style>
+      </p:cxnSp>
+      <mc:AlternateContent xmlns:mc="http://schemas.openxmlformats.org/markup-compatibility/2006">
+        <mc:Choice xmlns:a14="http://schemas.microsoft.com/office/drawing/2010/main" Requires="a14">
+          <p:sp>
+            <p:nvSpPr>
+              <p:cNvPr id="18" name="テキスト ボックス 17">
+                <a:extLst>
+                  <a:ext uri="{FF2B5EF4-FFF2-40B4-BE49-F238E27FC236}">
+                    <a16:creationId xmlns:a16="http://schemas.microsoft.com/office/drawing/2014/main" id="{D9C64A35-847F-3B49-8FAA-F592886CFBC1}"/>
+                  </a:ext>
+                </a:extLst>
+              </p:cNvPr>
+              <p:cNvSpPr txBox="1"/>
+              <p:nvPr/>
+            </p:nvSpPr>
+            <p:spPr>
+              <a:xfrm rot="16200000">
+                <a:off x="2222653" y="2884686"/>
+                <a:ext cx="1699183" cy="276999"/>
+              </a:xfrm>
+              <a:prstGeom prst="rect">
+                <a:avLst/>
+              </a:prstGeom>
+              <a:noFill/>
+            </p:spPr>
+            <p:txBody>
+              <a:bodyPr wrap="none" rtlCol="0">
+                <a:spAutoFit/>
+              </a:bodyPr>
+              <a:lstStyle/>
+              <a:p>
+                <a14:m>
+                  <m:oMathPara xmlns:m="http://schemas.openxmlformats.org/officeDocument/2006/math">
+                    <m:oMathParaPr>
+                      <m:jc m:val="centerGroup"/>
+                    </m:oMathParaPr>
+                    <m:oMath xmlns:m="http://schemas.openxmlformats.org/officeDocument/2006/math">
+                      <m:sSub>
+                        <m:sSubPr>
+                          <m:ctrlPr>
+                            <a:rPr lang="x-none" altLang="ja-JP" sz="1200" i="1"/>
+                          </m:ctrlPr>
+                        </m:sSubPr>
+                        <m:e>
+                          <m:r>
+                            <a:rPr lang="x-none" altLang="ja-JP" sz="1200"/>
+                            <m:t>𝑍</m:t>
+                          </m:r>
+                        </m:e>
+                        <m:sub>
+                          <m:r>
+                            <a:rPr lang="x-none" altLang="ja-JP" sz="1200"/>
+                            <m:t>𝑡</m:t>
+                          </m:r>
+                        </m:sub>
+                      </m:sSub>
+                      <m:r>
+                        <a:rPr lang="x-none" altLang="ja-JP" sz="1200"/>
+                        <m:t>=</m:t>
+                      </m:r>
+                      <m:sSub>
+                        <m:sSubPr>
+                          <m:ctrlPr>
+                            <a:rPr lang="x-none" altLang="ja-JP" sz="1200" i="1"/>
+                          </m:ctrlPr>
+                        </m:sSubPr>
+                        <m:e>
+                          <m:r>
+                            <a:rPr lang="x-none" altLang="ja-JP" sz="1200"/>
+                            <m:t>𝑍</m:t>
+                          </m:r>
+                        </m:e>
+                        <m:sub>
+                          <m:r>
+                            <a:rPr lang="x-none" altLang="ja-JP" sz="1200"/>
+                            <m:t>𝑡</m:t>
+                          </m:r>
+                        </m:sub>
+                      </m:sSub>
+                      <m:r>
+                        <a:rPr lang="x-none" altLang="ja-JP" sz="1200"/>
+                        <m:t>+</m:t>
+                      </m:r>
+                      <m:r>
+                        <a:rPr lang="x-none" altLang="ja-JP" sz="1200"/>
+                        <m:t>𝜎</m:t>
+                      </m:r>
+                      <m:d>
+                        <m:dPr>
+                          <m:ctrlPr>
+                            <a:rPr lang="x-none" altLang="ja-JP" sz="1200" i="1"/>
+                          </m:ctrlPr>
+                        </m:dPr>
+                        <m:e>
+                          <m:sSub>
+                            <m:sSubPr>
+                              <m:ctrlPr>
+                                <a:rPr lang="x-none" altLang="ja-JP" sz="1200" i="1"/>
+                              </m:ctrlPr>
+                            </m:sSubPr>
+                            <m:e>
+                              <m:r>
+                                <a:rPr lang="x-none" altLang="ja-JP" sz="1200"/>
+                                <m:t>𝐴</m:t>
+                              </m:r>
+                            </m:e>
+                            <m:sub>
+                              <m:r>
+                                <a:rPr lang="x-none" altLang="ja-JP" sz="1200"/>
+                                <m:t>𝑡𝑟</m:t>
+                              </m:r>
+                            </m:sub>
+                          </m:sSub>
+                          <m:sSub>
+                            <m:sSubPr>
+                              <m:ctrlPr>
+                                <a:rPr lang="x-none" altLang="ja-JP" sz="1200" i="1"/>
+                              </m:ctrlPr>
+                            </m:sSubPr>
+                            <m:e>
+                              <m:r>
+                                <a:rPr lang="x-none" altLang="ja-JP" sz="1200"/>
+                                <m:t>𝑍</m:t>
+                              </m:r>
+                            </m:e>
+                            <m:sub>
+                              <m:r>
+                                <a:rPr lang="x-none" altLang="ja-JP" sz="1200"/>
+                                <m:t>𝑠</m:t>
+                              </m:r>
+                            </m:sub>
+                          </m:sSub>
+                          <m:sSub>
+                            <m:sSubPr>
+                              <m:ctrlPr>
+                                <a:rPr lang="x-none" altLang="ja-JP" sz="1200" i="1"/>
+                              </m:ctrlPr>
+                            </m:sSubPr>
+                            <m:e>
+                              <m:r>
+                                <a:rPr lang="x-none" altLang="ja-JP" sz="1200"/>
+                                <m:t>𝑊</m:t>
+                              </m:r>
+                            </m:e>
+                            <m:sub>
+                              <m:r>
+                                <a:rPr lang="x-none" altLang="ja-JP" sz="1200"/>
+                                <m:t>𝑡𝑟</m:t>
+                              </m:r>
+                            </m:sub>
+                          </m:sSub>
+                        </m:e>
+                      </m:d>
+                    </m:oMath>
+                  </m:oMathPara>
+                </a14:m>
+                <a:endParaRPr lang="x-none" altLang="ja-JP" sz="1200"/>
+              </a:p>
+            </p:txBody>
+          </p:sp>
+        </mc:Choice>
+        <mc:Fallback>
+          <p:sp>
+            <p:nvSpPr>
+              <p:cNvPr id="18" name="テキスト ボックス 17">
+                <a:extLst>
+                  <a:ext uri="{FF2B5EF4-FFF2-40B4-BE49-F238E27FC236}">
+                    <a16:creationId xmlns:a16="http://schemas.microsoft.com/office/drawing/2014/main" id="{D9C64A35-847F-3B49-8FAA-F592886CFBC1}"/>
+                  </a:ext>
+                </a:extLst>
+              </p:cNvPr>
+              <p:cNvSpPr txBox="1">
+                <a:spLocks noRot="1" noChangeAspect="1" noMove="1" noResize="1" noEditPoints="1" noAdjustHandles="1" noChangeArrowheads="1" noChangeShapeType="1" noTextEdit="1"/>
+              </p:cNvSpPr>
+              <p:nvPr/>
+            </p:nvSpPr>
+            <p:spPr>
+              <a:xfrm rot="16200000">
+                <a:off x="2222653" y="2884686"/>
+                <a:ext cx="1699183" cy="276999"/>
+              </a:xfrm>
+              <a:prstGeom prst="rect">
+                <a:avLst/>
+              </a:prstGeom>
+              <a:blipFill>
+                <a:blip r:embed="rId9"/>
+                <a:stretch>
+                  <a:fillRect/>
+                </a:stretch>
+              </a:blipFill>
+            </p:spPr>
+            <p:txBody>
+              <a:bodyPr/>
+              <a:lstStyle/>
+              <a:p>
+                <a:r>
+                  <a:rPr lang="ja-JP" altLang="en-US">
+                    <a:noFill/>
+                  </a:rPr>
+                  <a:t> </a:t>
+                </a:r>
+              </a:p>
+            </p:txBody>
+          </p:sp>
+        </mc:Fallback>
+      </mc:AlternateContent>
+    </p:spTree>
+    <p:extLst>
+      <p:ext uri="{BB962C8B-B14F-4D97-AF65-F5344CB8AC3E}">
+        <p14:creationId xmlns:p14="http://schemas.microsoft.com/office/powerpoint/2010/main" val="1894793395"/>
+      </p:ext>
+    </p:extLst>
+  </p:cSld>
+  <p:clrMapOvr>
+    <a:masterClrMapping/>
+  </p:clrMapOvr>
+</p:sld>
+</file>
+
+<file path=ppt/slides/slide3.xml><?xml version="1.0" encoding="utf-8"?>
+<p:sld xmlns:a="http://schemas.openxmlformats.org/drawingml/2006/main" xmlns:r="http://schemas.openxmlformats.org/officeDocument/2006/relationships" xmlns:p="http://schemas.openxmlformats.org/presentationml/2006/main">
+  <p:cSld>
+    <p:spTree>
+      <p:nvGrpSpPr>
+        <p:cNvPr id="1" name=""/>
+        <p:cNvGrpSpPr/>
+        <p:nvPr/>
+      </p:nvGrpSpPr>
+      <p:grpSpPr>
+        <a:xfrm>
+          <a:off x="0" y="0"/>
+          <a:ext cx="0" cy="0"/>
+          <a:chOff x="0" y="0"/>
+          <a:chExt cx="0" cy="0"/>
+        </a:xfrm>
+      </p:grpSpPr>
+      <p:pic>
+        <p:nvPicPr>
+          <p:cNvPr id="44" name="図 43">
+            <a:extLst>
+              <a:ext uri="{FF2B5EF4-FFF2-40B4-BE49-F238E27FC236}">
+                <a16:creationId xmlns:a16="http://schemas.microsoft.com/office/drawing/2014/main" id="{0A3B6E28-E43F-534B-8D59-982DDBC63ABA}"/>
+              </a:ext>
+            </a:extLst>
+          </p:cNvPr>
+          <p:cNvPicPr>
+            <a:picLocks noChangeAspect="1"/>
+          </p:cNvPicPr>
+          <p:nvPr/>
+        </p:nvPicPr>
+        <p:blipFill>
+          <a:blip r:embed="rId2"/>
+          <a:stretch>
+            <a:fillRect/>
+          </a:stretch>
+        </p:blipFill>
+        <p:spPr>
+          <a:xfrm>
+            <a:off x="3344464" y="3750746"/>
+            <a:ext cx="1866900" cy="825500"/>
+          </a:xfrm>
+          <a:prstGeom prst="rect">
+            <a:avLst/>
+          </a:prstGeom>
+        </p:spPr>
+      </p:pic>
+      <p:pic>
+        <p:nvPicPr>
+          <p:cNvPr id="40" name="図 39">
+            <a:extLst>
+              <a:ext uri="{FF2B5EF4-FFF2-40B4-BE49-F238E27FC236}">
+                <a16:creationId xmlns:a16="http://schemas.microsoft.com/office/drawing/2014/main" id="{8E63BA13-2787-1A42-9616-45844EC960E1}"/>
+              </a:ext>
+            </a:extLst>
+          </p:cNvPr>
+          <p:cNvPicPr>
+            <a:picLocks noChangeAspect="1"/>
+          </p:cNvPicPr>
+          <p:nvPr/>
+        </p:nvPicPr>
+        <p:blipFill>
+          <a:blip r:embed="rId3"/>
+          <a:stretch>
+            <a:fillRect/>
+          </a:stretch>
+        </p:blipFill>
+        <p:spPr>
+          <a:xfrm>
+            <a:off x="3287313" y="2404640"/>
+            <a:ext cx="1943100" cy="876300"/>
+          </a:xfrm>
+          <a:prstGeom prst="rect">
+            <a:avLst/>
+          </a:prstGeom>
+        </p:spPr>
+      </p:pic>
+      <p:pic>
+        <p:nvPicPr>
+          <p:cNvPr id="39" name="図 38">
+            <a:extLst>
+              <a:ext uri="{FF2B5EF4-FFF2-40B4-BE49-F238E27FC236}">
+                <a16:creationId xmlns:a16="http://schemas.microsoft.com/office/drawing/2014/main" id="{D448CB4F-70F4-F146-BC4C-3E9B85F2E742}"/>
+              </a:ext>
+            </a:extLst>
+          </p:cNvPr>
+          <p:cNvPicPr>
+            <a:picLocks noChangeAspect="1"/>
+          </p:cNvPicPr>
+          <p:nvPr/>
+        </p:nvPicPr>
+        <p:blipFill>
+          <a:blip r:embed="rId4"/>
+          <a:stretch>
+            <a:fillRect/>
+          </a:stretch>
+        </p:blipFill>
+        <p:spPr>
+          <a:xfrm>
+            <a:off x="3380582" y="1106666"/>
+            <a:ext cx="1651000" cy="787400"/>
+          </a:xfrm>
+          <a:prstGeom prst="rect">
+            <a:avLst/>
+          </a:prstGeom>
+        </p:spPr>
+      </p:pic>
+      <p:sp>
+        <p:nvSpPr>
+          <p:cNvPr id="11" name="テキスト ボックス 10">
+            <a:extLst>
+              <a:ext uri="{FF2B5EF4-FFF2-40B4-BE49-F238E27FC236}">
+                <a16:creationId xmlns:a16="http://schemas.microsoft.com/office/drawing/2014/main" id="{2E4E8D70-127E-444D-98E9-8D0D80B808B3}"/>
+              </a:ext>
+            </a:extLst>
+          </p:cNvPr>
+          <p:cNvSpPr txBox="1"/>
+          <p:nvPr/>
+        </p:nvSpPr>
+        <p:spPr>
+          <a:xfrm>
+            <a:off x="3171825" y="557005"/>
+            <a:ext cx="3071675" cy="369332"/>
+          </a:xfrm>
+          <a:prstGeom prst="rect">
+            <a:avLst/>
+          </a:prstGeom>
+          <a:noFill/>
+        </p:spPr>
+        <p:txBody>
+          <a:bodyPr wrap="none" rtlCol="0">
+            <a:spAutoFit/>
+          </a:bodyPr>
+          <a:lstStyle/>
+          <a:p>
+            <a:r>
+              <a:rPr lang="en-US" altLang="ja-JP">
+                <a:latin typeface="Meiryo UI" panose="020B0604030504040204" pitchFamily="34" charset="-128"/>
+                <a:ea typeface="Meiryo UI" panose="020B0604030504040204" pitchFamily="34" charset="-128"/>
+              </a:rPr>
+              <a:t>【</a:t>
+            </a:r>
+            <a:r>
+              <a:rPr lang="ja-JP" altLang="ja-JP">
+                <a:latin typeface="Meiryo UI" panose="020B0604030504040204" pitchFamily="34" charset="-128"/>
+                <a:ea typeface="Meiryo UI" panose="020B0604030504040204" pitchFamily="34" charset="-128"/>
+              </a:rPr>
+              <a:t>Intra-Graph Reasoning</a:t>
+            </a:r>
+            <a:r>
+              <a:rPr lang="en-US" altLang="ja-JP">
+                <a:latin typeface="Meiryo UI" panose="020B0604030504040204" pitchFamily="34" charset="-128"/>
+                <a:ea typeface="Meiryo UI" panose="020B0604030504040204" pitchFamily="34" charset="-128"/>
+              </a:rPr>
+              <a:t>】</a:t>
+            </a:r>
+            <a:endParaRPr lang="ja-JP" altLang="ja-JP">
+              <a:latin typeface="Meiryo UI" panose="020B0604030504040204" pitchFamily="34" charset="-128"/>
+              <a:ea typeface="Meiryo UI" panose="020B0604030504040204" pitchFamily="34" charset="-128"/>
+            </a:endParaRPr>
+          </a:p>
+        </p:txBody>
+      </p:sp>
+      <p:pic>
+        <p:nvPicPr>
+          <p:cNvPr id="13" name="図 12">
+            <a:extLst>
+              <a:ext uri="{FF2B5EF4-FFF2-40B4-BE49-F238E27FC236}">
+                <a16:creationId xmlns:a16="http://schemas.microsoft.com/office/drawing/2014/main" id="{2E473F5B-A364-1641-B00B-18D986FCC80B}"/>
+              </a:ext>
+            </a:extLst>
+          </p:cNvPr>
+          <p:cNvPicPr>
+            <a:picLocks noChangeAspect="1"/>
+          </p:cNvPicPr>
+          <p:nvPr/>
+        </p:nvPicPr>
+        <p:blipFill>
+          <a:blip r:embed="rId5"/>
+          <a:stretch>
+            <a:fillRect/>
+          </a:stretch>
+        </p:blipFill>
+        <p:spPr>
+          <a:xfrm>
+            <a:off x="885826" y="2070098"/>
+            <a:ext cx="2133600" cy="1231900"/>
+          </a:xfrm>
+          <a:prstGeom prst="rect">
+            <a:avLst/>
+          </a:prstGeom>
+        </p:spPr>
+      </p:pic>
+      <p:sp>
+        <p:nvSpPr>
+          <p:cNvPr id="14" name="テキスト ボックス 13">
+            <a:extLst>
+              <a:ext uri="{FF2B5EF4-FFF2-40B4-BE49-F238E27FC236}">
+                <a16:creationId xmlns:a16="http://schemas.microsoft.com/office/drawing/2014/main" id="{78DC7DFA-F63B-C248-BA7C-D17D4270AC1C}"/>
+              </a:ext>
+            </a:extLst>
+          </p:cNvPr>
+          <p:cNvSpPr txBox="1"/>
+          <p:nvPr/>
+        </p:nvSpPr>
+        <p:spPr>
+          <a:xfrm>
+            <a:off x="3214476" y="2055064"/>
+            <a:ext cx="4031873" cy="276999"/>
+          </a:xfrm>
+          <a:prstGeom prst="rect">
+            <a:avLst/>
+          </a:prstGeom>
+          <a:noFill/>
+        </p:spPr>
+        <p:txBody>
+          <a:bodyPr wrap="none" rtlCol="0">
+            <a:spAutoFit/>
+          </a:bodyPr>
+          <a:lstStyle/>
+          <a:p>
+            <a:r>
+              <a:rPr kumimoji="1" lang="ja-JP" altLang="en-US" sz="1200"/>
+              <a:t>同じデータセット内の頂点間をつなぐ辺構造を学習する</a:t>
+            </a:r>
+          </a:p>
+        </p:txBody>
+      </p:sp>
+      <p:cxnSp>
+        <p:nvCxnSpPr>
+          <p:cNvPr id="16" name="直線コネクタ 15">
+            <a:extLst>
+              <a:ext uri="{FF2B5EF4-FFF2-40B4-BE49-F238E27FC236}">
+                <a16:creationId xmlns:a16="http://schemas.microsoft.com/office/drawing/2014/main" id="{54D3A6B6-69CB-E545-9787-69CFF5758894}"/>
+              </a:ext>
+            </a:extLst>
+          </p:cNvPr>
+          <p:cNvCxnSpPr/>
+          <p:nvPr/>
+        </p:nvCxnSpPr>
+        <p:spPr>
+          <a:xfrm>
+            <a:off x="3914776" y="1685926"/>
+            <a:ext cx="428624" cy="0"/>
+          </a:xfrm>
+          <a:prstGeom prst="line">
+            <a:avLst/>
+          </a:prstGeom>
+          <a:ln w="25400">
+            <a:solidFill>
+              <a:srgbClr val="FF0000"/>
+            </a:solidFill>
+          </a:ln>
+        </p:spPr>
+        <p:style>
+          <a:lnRef idx="1">
+            <a:schemeClr val="accent1"/>
+          </a:lnRef>
+          <a:fillRef idx="0">
+            <a:schemeClr val="accent1"/>
+          </a:fillRef>
+          <a:effectRef idx="0">
+            <a:schemeClr val="accent1"/>
+          </a:effectRef>
+          <a:fontRef idx="minor">
+            <a:schemeClr val="tx1"/>
+          </a:fontRef>
+        </p:style>
+      </p:cxnSp>
+      <p:cxnSp>
+        <p:nvCxnSpPr>
+          <p:cNvPr id="18" name="直線矢印コネクタ 17">
+            <a:extLst>
+              <a:ext uri="{FF2B5EF4-FFF2-40B4-BE49-F238E27FC236}">
+                <a16:creationId xmlns:a16="http://schemas.microsoft.com/office/drawing/2014/main" id="{6612910B-8008-FF40-8595-8672CA314862}"/>
+              </a:ext>
+            </a:extLst>
+          </p:cNvPr>
+          <p:cNvCxnSpPr>
+            <a:cxnSpLocks/>
+          </p:cNvCxnSpPr>
+          <p:nvPr/>
+        </p:nvCxnSpPr>
+        <p:spPr>
+          <a:xfrm flipH="1" flipV="1">
+            <a:off x="4129088" y="1770880"/>
+            <a:ext cx="42858" cy="299218"/>
+          </a:xfrm>
+          <a:prstGeom prst="straightConnector1">
+            <a:avLst/>
+          </a:prstGeom>
+          <a:ln>
+            <a:tailEnd type="triangle"/>
+          </a:ln>
+        </p:spPr>
+        <p:style>
+          <a:lnRef idx="1">
+            <a:schemeClr val="accent1"/>
+          </a:lnRef>
+          <a:fillRef idx="0">
+            <a:schemeClr val="accent1"/>
+          </a:fillRef>
+          <a:effectRef idx="0">
+            <a:schemeClr val="accent1"/>
+          </a:effectRef>
+          <a:fontRef idx="minor">
+            <a:schemeClr val="tx1"/>
+          </a:fontRef>
+        </p:style>
+      </p:cxnSp>
+      <p:cxnSp>
+        <p:nvCxnSpPr>
+          <p:cNvPr id="20" name="直線コネクタ 19">
+            <a:extLst>
+              <a:ext uri="{FF2B5EF4-FFF2-40B4-BE49-F238E27FC236}">
+                <a16:creationId xmlns:a16="http://schemas.microsoft.com/office/drawing/2014/main" id="{D61590B1-269A-A34C-9F1E-0B31071D4A09}"/>
+              </a:ext>
+            </a:extLst>
+          </p:cNvPr>
+          <p:cNvCxnSpPr>
+            <a:cxnSpLocks/>
+          </p:cNvCxnSpPr>
+          <p:nvPr/>
+        </p:nvCxnSpPr>
+        <p:spPr>
+          <a:xfrm>
+            <a:off x="4124326" y="1532454"/>
+            <a:ext cx="219074" cy="153472"/>
+          </a:xfrm>
+          <a:prstGeom prst="line">
+            <a:avLst/>
+          </a:prstGeom>
+          <a:ln w="25400">
+            <a:solidFill>
+              <a:srgbClr val="FF0000"/>
+            </a:solidFill>
+          </a:ln>
+        </p:spPr>
+        <p:style>
+          <a:lnRef idx="1">
+            <a:schemeClr val="accent1"/>
+          </a:lnRef>
+          <a:fillRef idx="0">
+            <a:schemeClr val="accent1"/>
+          </a:fillRef>
+          <a:effectRef idx="0">
+            <a:schemeClr val="accent1"/>
+          </a:effectRef>
+          <a:fontRef idx="minor">
+            <a:schemeClr val="tx1"/>
+          </a:fontRef>
+        </p:style>
+      </p:cxnSp>
+      <p:cxnSp>
+        <p:nvCxnSpPr>
+          <p:cNvPr id="22" name="直線コネクタ 21">
+            <a:extLst>
+              <a:ext uri="{FF2B5EF4-FFF2-40B4-BE49-F238E27FC236}">
+                <a16:creationId xmlns:a16="http://schemas.microsoft.com/office/drawing/2014/main" id="{F9CE0F78-A1E8-FD4D-B8D8-56C2E8774F74}"/>
+              </a:ext>
+            </a:extLst>
+          </p:cNvPr>
+          <p:cNvCxnSpPr>
+            <a:cxnSpLocks/>
+          </p:cNvCxnSpPr>
+          <p:nvPr/>
+        </p:nvCxnSpPr>
+        <p:spPr>
+          <a:xfrm>
+            <a:off x="4400546" y="1413242"/>
+            <a:ext cx="0" cy="229964"/>
+          </a:xfrm>
+          <a:prstGeom prst="line">
+            <a:avLst/>
+          </a:prstGeom>
+          <a:ln w="25400">
+            <a:solidFill>
+              <a:srgbClr val="FF0000"/>
+            </a:solidFill>
+          </a:ln>
+        </p:spPr>
+        <p:style>
+          <a:lnRef idx="1">
+            <a:schemeClr val="accent1"/>
+          </a:lnRef>
+          <a:fillRef idx="0">
+            <a:schemeClr val="accent1"/>
+          </a:fillRef>
+          <a:effectRef idx="0">
+            <a:schemeClr val="accent1"/>
+          </a:effectRef>
+          <a:fontRef idx="minor">
+            <a:schemeClr val="tx1"/>
+          </a:fontRef>
+        </p:style>
+      </p:cxnSp>
+      <p:cxnSp>
+        <p:nvCxnSpPr>
+          <p:cNvPr id="25" name="直線コネクタ 24">
+            <a:extLst>
+              <a:ext uri="{FF2B5EF4-FFF2-40B4-BE49-F238E27FC236}">
+                <a16:creationId xmlns:a16="http://schemas.microsoft.com/office/drawing/2014/main" id="{CE95512C-7193-ED45-8CF3-8772B12C71B0}"/>
+              </a:ext>
+            </a:extLst>
+          </p:cNvPr>
+          <p:cNvCxnSpPr>
+            <a:cxnSpLocks/>
+          </p:cNvCxnSpPr>
+          <p:nvPr/>
+        </p:nvCxnSpPr>
+        <p:spPr>
+          <a:xfrm flipH="1">
+            <a:off x="4429123" y="1299713"/>
+            <a:ext cx="214316" cy="151777"/>
+          </a:xfrm>
+          <a:prstGeom prst="line">
+            <a:avLst/>
+          </a:prstGeom>
+          <a:ln w="25400">
+            <a:solidFill>
+              <a:srgbClr val="FF0000"/>
+            </a:solidFill>
+          </a:ln>
+        </p:spPr>
+        <p:style>
+          <a:lnRef idx="1">
+            <a:schemeClr val="accent1"/>
+          </a:lnRef>
+          <a:fillRef idx="0">
+            <a:schemeClr val="accent1"/>
+          </a:fillRef>
+          <a:effectRef idx="0">
+            <a:schemeClr val="accent1"/>
+          </a:effectRef>
+          <a:fontRef idx="minor">
+            <a:schemeClr val="tx1"/>
+          </a:fontRef>
+        </p:style>
+      </p:cxnSp>
+      <p:cxnSp>
+        <p:nvCxnSpPr>
+          <p:cNvPr id="30" name="直線コネクタ 29">
+            <a:extLst>
+              <a:ext uri="{FF2B5EF4-FFF2-40B4-BE49-F238E27FC236}">
+                <a16:creationId xmlns:a16="http://schemas.microsoft.com/office/drawing/2014/main" id="{827324B5-E059-4640-888E-4F9911B29CA2}"/>
+              </a:ext>
+            </a:extLst>
+          </p:cNvPr>
+          <p:cNvCxnSpPr/>
+          <p:nvPr/>
+        </p:nvCxnSpPr>
+        <p:spPr>
+          <a:xfrm>
+            <a:off x="3157537" y="1451490"/>
+            <a:ext cx="0" cy="2716768"/>
+          </a:xfrm>
+          <a:prstGeom prst="line">
+            <a:avLst/>
+          </a:prstGeom>
+          <a:ln>
+            <a:solidFill>
+              <a:schemeClr val="tx1"/>
+            </a:solidFill>
+          </a:ln>
+        </p:spPr>
+        <p:style>
+          <a:lnRef idx="1">
+            <a:schemeClr val="accent1"/>
+          </a:lnRef>
+          <a:fillRef idx="0">
+            <a:schemeClr val="accent1"/>
+          </a:fillRef>
+          <a:effectRef idx="0">
+            <a:schemeClr val="accent1"/>
+          </a:effectRef>
+          <a:fontRef idx="minor">
+            <a:schemeClr val="tx1"/>
+          </a:fontRef>
+        </p:style>
+      </p:cxnSp>
+      <p:cxnSp>
+        <p:nvCxnSpPr>
+          <p:cNvPr id="32" name="直線矢印コネクタ 31">
+            <a:extLst>
+              <a:ext uri="{FF2B5EF4-FFF2-40B4-BE49-F238E27FC236}">
+                <a16:creationId xmlns:a16="http://schemas.microsoft.com/office/drawing/2014/main" id="{E2C16393-BA8A-2D42-A189-4C0CEE7E1CE3}"/>
+              </a:ext>
+            </a:extLst>
+          </p:cNvPr>
+          <p:cNvCxnSpPr>
+            <a:cxnSpLocks/>
+          </p:cNvCxnSpPr>
+          <p:nvPr/>
+        </p:nvCxnSpPr>
+        <p:spPr>
+          <a:xfrm>
+            <a:off x="2650331" y="2828924"/>
+            <a:ext cx="783431" cy="0"/>
+          </a:xfrm>
+          <a:prstGeom prst="straightConnector1">
+            <a:avLst/>
+          </a:prstGeom>
+          <a:ln>
+            <a:solidFill>
+              <a:schemeClr val="tx1"/>
+            </a:solidFill>
+            <a:tailEnd type="triangle"/>
+          </a:ln>
+        </p:spPr>
+        <p:style>
+          <a:lnRef idx="1">
+            <a:schemeClr val="accent1"/>
+          </a:lnRef>
+          <a:fillRef idx="0">
+            <a:schemeClr val="accent1"/>
+          </a:fillRef>
+          <a:effectRef idx="0">
+            <a:schemeClr val="accent1"/>
+          </a:effectRef>
+          <a:fontRef idx="minor">
+            <a:schemeClr val="tx1"/>
+          </a:fontRef>
+        </p:style>
+      </p:cxnSp>
+      <p:cxnSp>
+        <p:nvCxnSpPr>
+          <p:cNvPr id="34" name="直線矢印コネクタ 33">
+            <a:extLst>
+              <a:ext uri="{FF2B5EF4-FFF2-40B4-BE49-F238E27FC236}">
+                <a16:creationId xmlns:a16="http://schemas.microsoft.com/office/drawing/2014/main" id="{B1CEE3EB-B1D3-9948-9C20-AE83CCBE3D0F}"/>
+              </a:ext>
+            </a:extLst>
+          </p:cNvPr>
+          <p:cNvCxnSpPr>
+            <a:cxnSpLocks/>
+          </p:cNvCxnSpPr>
+          <p:nvPr/>
+        </p:nvCxnSpPr>
+        <p:spPr>
+          <a:xfrm>
+            <a:off x="3171825" y="4163496"/>
+            <a:ext cx="319088" cy="0"/>
+          </a:xfrm>
+          <a:prstGeom prst="straightConnector1">
+            <a:avLst/>
+          </a:prstGeom>
+          <a:ln>
+            <a:solidFill>
+              <a:schemeClr val="tx1"/>
+            </a:solidFill>
+            <a:tailEnd type="triangle"/>
+          </a:ln>
+        </p:spPr>
+        <p:style>
+          <a:lnRef idx="1">
+            <a:schemeClr val="accent1"/>
+          </a:lnRef>
+          <a:fillRef idx="0">
+            <a:schemeClr val="accent1"/>
+          </a:fillRef>
+          <a:effectRef idx="0">
+            <a:schemeClr val="accent1"/>
+          </a:effectRef>
+          <a:fontRef idx="minor">
+            <a:schemeClr val="tx1"/>
+          </a:fontRef>
+        </p:style>
+      </p:cxnSp>
+      <p:sp>
+        <p:nvSpPr>
+          <p:cNvPr id="36" name="角丸四角形 35">
+            <a:extLst>
+              <a:ext uri="{FF2B5EF4-FFF2-40B4-BE49-F238E27FC236}">
+                <a16:creationId xmlns:a16="http://schemas.microsoft.com/office/drawing/2014/main" id="{815A2FC9-27C7-094B-980D-2EB5E35650FA}"/>
+              </a:ext>
+            </a:extLst>
+          </p:cNvPr>
+          <p:cNvSpPr/>
+          <p:nvPr/>
+        </p:nvSpPr>
+        <p:spPr>
+          <a:xfrm>
+            <a:off x="3331369" y="1031569"/>
+            <a:ext cx="1789112" cy="966698"/>
+          </a:xfrm>
+          <a:prstGeom prst="roundRect">
+            <a:avLst/>
+          </a:prstGeom>
+          <a:solidFill>
+            <a:schemeClr val="accent1">
+              <a:alpha val="15000"/>
+            </a:schemeClr>
+          </a:solidFill>
+          <a:ln>
+            <a:solidFill>
+              <a:schemeClr val="accent1">
+                <a:shade val="50000"/>
+              </a:schemeClr>
+            </a:solidFill>
+          </a:ln>
+        </p:spPr>
+        <p:style>
+          <a:lnRef idx="2">
+            <a:schemeClr val="accent1">
+              <a:shade val="50000"/>
+            </a:schemeClr>
+          </a:lnRef>
+          <a:fillRef idx="1">
+            <a:schemeClr val="accent1"/>
+          </a:fillRef>
+          <a:effectRef idx="0">
+            <a:schemeClr val="accent1"/>
+          </a:effectRef>
+          <a:fontRef idx="minor">
+            <a:schemeClr val="lt1"/>
+          </a:fontRef>
+        </p:style>
+        <p:txBody>
+          <a:bodyPr rtlCol="0" anchor="ctr"/>
+          <a:lstStyle/>
+          <a:p>
+            <a:pPr algn="ctr"/>
+            <a:endParaRPr kumimoji="1" lang="ja-JP" altLang="en-US"/>
+          </a:p>
+        </p:txBody>
+      </p:sp>
+      <p:sp>
+        <p:nvSpPr>
+          <p:cNvPr id="37" name="角丸四角形 36">
+            <a:extLst>
+              <a:ext uri="{FF2B5EF4-FFF2-40B4-BE49-F238E27FC236}">
+                <a16:creationId xmlns:a16="http://schemas.microsoft.com/office/drawing/2014/main" id="{643E7A10-1722-0A49-83F8-8D452F0F30A6}"/>
+              </a:ext>
+            </a:extLst>
+          </p:cNvPr>
+          <p:cNvSpPr/>
+          <p:nvPr/>
+        </p:nvSpPr>
+        <p:spPr>
+          <a:xfrm>
+            <a:off x="3319462" y="2361385"/>
+            <a:ext cx="1878806" cy="966698"/>
+          </a:xfrm>
+          <a:prstGeom prst="roundRect">
+            <a:avLst/>
+          </a:prstGeom>
+          <a:solidFill>
+            <a:srgbClr val="00B050">
+              <a:alpha val="15000"/>
+            </a:srgbClr>
+          </a:solidFill>
+          <a:ln>
+            <a:solidFill>
+              <a:schemeClr val="accent1">
+                <a:shade val="50000"/>
+              </a:schemeClr>
+            </a:solidFill>
+          </a:ln>
+        </p:spPr>
+        <p:style>
+          <a:lnRef idx="2">
+            <a:schemeClr val="accent1">
+              <a:shade val="50000"/>
+            </a:schemeClr>
+          </a:lnRef>
+          <a:fillRef idx="1">
+            <a:schemeClr val="accent1"/>
+          </a:fillRef>
+          <a:effectRef idx="0">
+            <a:schemeClr val="accent1"/>
+          </a:effectRef>
+          <a:fontRef idx="minor">
+            <a:schemeClr val="lt1"/>
+          </a:fontRef>
+        </p:style>
+        <p:txBody>
+          <a:bodyPr rtlCol="0" anchor="ctr"/>
+          <a:lstStyle/>
+          <a:p>
+            <a:pPr algn="ctr"/>
+            <a:endParaRPr kumimoji="1" lang="ja-JP" altLang="en-US"/>
+          </a:p>
+        </p:txBody>
+      </p:sp>
+      <p:sp>
+        <p:nvSpPr>
+          <p:cNvPr id="38" name="角丸四角形 37">
+            <a:extLst>
+              <a:ext uri="{FF2B5EF4-FFF2-40B4-BE49-F238E27FC236}">
+                <a16:creationId xmlns:a16="http://schemas.microsoft.com/office/drawing/2014/main" id="{1AA66FC1-5CC5-4440-B624-96E526EB71CA}"/>
+              </a:ext>
+            </a:extLst>
+          </p:cNvPr>
+          <p:cNvSpPr/>
+          <p:nvPr/>
+        </p:nvSpPr>
+        <p:spPr>
+          <a:xfrm>
+            <a:off x="3305175" y="3651571"/>
+            <a:ext cx="1878806" cy="966698"/>
+          </a:xfrm>
+          <a:prstGeom prst="roundRect">
+            <a:avLst/>
+          </a:prstGeom>
+          <a:solidFill>
+            <a:schemeClr val="bg1">
+              <a:lumMod val="85000"/>
+              <a:alpha val="15000"/>
+            </a:schemeClr>
+          </a:solidFill>
+          <a:ln>
+            <a:solidFill>
+              <a:schemeClr val="accent1">
+                <a:shade val="50000"/>
+              </a:schemeClr>
+            </a:solidFill>
+          </a:ln>
+        </p:spPr>
+        <p:style>
+          <a:lnRef idx="2">
+            <a:schemeClr val="accent1">
+              <a:shade val="50000"/>
+            </a:schemeClr>
+          </a:lnRef>
+          <a:fillRef idx="1">
+            <a:schemeClr val="accent1"/>
+          </a:fillRef>
+          <a:effectRef idx="0">
+            <a:schemeClr val="accent1"/>
+          </a:effectRef>
+          <a:fontRef idx="minor">
+            <a:schemeClr val="lt1"/>
+          </a:fontRef>
+        </p:style>
+        <p:txBody>
+          <a:bodyPr rtlCol="0" anchor="ctr"/>
+          <a:lstStyle/>
+          <a:p>
+            <a:pPr algn="ctr"/>
+            <a:endParaRPr kumimoji="1" lang="ja-JP" altLang="en-US"/>
+          </a:p>
+        </p:txBody>
+      </p:sp>
+      <p:cxnSp>
+        <p:nvCxnSpPr>
+          <p:cNvPr id="42" name="直線矢印コネクタ 41">
+            <a:extLst>
+              <a:ext uri="{FF2B5EF4-FFF2-40B4-BE49-F238E27FC236}">
+                <a16:creationId xmlns:a16="http://schemas.microsoft.com/office/drawing/2014/main" id="{2128AD3C-5236-004A-B5D9-1A1BAB008011}"/>
+              </a:ext>
+            </a:extLst>
+          </p:cNvPr>
+          <p:cNvCxnSpPr/>
+          <p:nvPr/>
+        </p:nvCxnSpPr>
+        <p:spPr>
+          <a:xfrm>
+            <a:off x="3157537" y="1451490"/>
+            <a:ext cx="276225" cy="0"/>
+          </a:xfrm>
+          <a:prstGeom prst="straightConnector1">
+            <a:avLst/>
+          </a:prstGeom>
+          <a:ln>
+            <a:tailEnd type="triangle"/>
+          </a:ln>
+        </p:spPr>
+        <p:style>
+          <a:lnRef idx="1">
+            <a:schemeClr val="accent1"/>
+          </a:lnRef>
+          <a:fillRef idx="0">
+            <a:schemeClr val="accent1"/>
+          </a:fillRef>
+          <a:effectRef idx="0">
+            <a:schemeClr val="accent1"/>
+          </a:effectRef>
+          <a:fontRef idx="minor">
+            <a:schemeClr val="tx1"/>
+          </a:fontRef>
+        </p:style>
+      </p:cxnSp>
+      <p:sp>
+        <p:nvSpPr>
+          <p:cNvPr id="45" name="正方形/長方形 44">
+            <a:extLst>
+              <a:ext uri="{FF2B5EF4-FFF2-40B4-BE49-F238E27FC236}">
+                <a16:creationId xmlns:a16="http://schemas.microsoft.com/office/drawing/2014/main" id="{B4F92ACA-F5BF-1543-A8C5-E3A1BD15166B}"/>
+              </a:ext>
+            </a:extLst>
+          </p:cNvPr>
+          <p:cNvSpPr/>
+          <p:nvPr/>
+        </p:nvSpPr>
+        <p:spPr>
+          <a:xfrm>
+            <a:off x="728663" y="1106666"/>
+            <a:ext cx="2558650" cy="3951109"/>
+          </a:xfrm>
+          <a:prstGeom prst="rect">
+            <a:avLst/>
+          </a:prstGeom>
+          <a:solidFill>
+            <a:schemeClr val="bg1"/>
+          </a:solidFill>
+          <a:ln>
+            <a:noFill/>
+          </a:ln>
+        </p:spPr>
+        <p:style>
+          <a:lnRef idx="2">
+            <a:schemeClr val="accent1">
+              <a:shade val="50000"/>
+            </a:schemeClr>
+          </a:lnRef>
+          <a:fillRef idx="1">
+            <a:schemeClr val="accent1"/>
+          </a:fillRef>
+          <a:effectRef idx="0">
+            <a:schemeClr val="accent1"/>
+          </a:effectRef>
+          <a:fontRef idx="minor">
+            <a:schemeClr val="lt1"/>
+          </a:fontRef>
+        </p:style>
+        <p:txBody>
+          <a:bodyPr rtlCol="0" anchor="ctr"/>
+          <a:lstStyle/>
+          <a:p>
+            <a:pPr algn="ctr"/>
+            <a:endParaRPr kumimoji="1" lang="ja-JP" altLang="en-US"/>
+          </a:p>
+        </p:txBody>
+      </p:sp>
+    </p:spTree>
+    <p:extLst>
+      <p:ext uri="{BB962C8B-B14F-4D97-AF65-F5344CB8AC3E}">
+        <p14:creationId xmlns:p14="http://schemas.microsoft.com/office/powerpoint/2010/main" val="1918689184"/>
+      </p:ext>
+    </p:extLst>
+  </p:cSld>
+  <p:clrMapOvr>
+    <a:masterClrMapping/>
+  </p:clrMapOvr>
+</p:sld>
+</file>
+
+<file path=ppt/slides/slide4.xml><?xml version="1.0" encoding="utf-8"?>
+<p:sld xmlns:a="http://schemas.openxmlformats.org/drawingml/2006/main" xmlns:r="http://schemas.openxmlformats.org/officeDocument/2006/relationships" xmlns:p="http://schemas.openxmlformats.org/presentationml/2006/main">
+  <p:cSld>
+    <p:spTree>
+      <p:nvGrpSpPr>
+        <p:cNvPr id="1" name=""/>
+        <p:cNvGrpSpPr/>
+        <p:nvPr/>
+      </p:nvGrpSpPr>
+      <p:grpSpPr>
+        <a:xfrm>
+          <a:off x="0" y="0"/>
+          <a:ext cx="0" cy="0"/>
+          <a:chOff x="0" y="0"/>
+          <a:chExt cx="0" cy="0"/>
+        </a:xfrm>
+      </p:grpSpPr>
+      <p:sp>
+        <p:nvSpPr>
+          <p:cNvPr id="4" name="テキスト ボックス 3">
+            <a:extLst>
+              <a:ext uri="{FF2B5EF4-FFF2-40B4-BE49-F238E27FC236}">
+                <a16:creationId xmlns:a16="http://schemas.microsoft.com/office/drawing/2014/main" id="{6FABC2D1-7380-B84A-8A00-DD8DA36C55F6}"/>
+              </a:ext>
+            </a:extLst>
+          </p:cNvPr>
+          <p:cNvSpPr txBox="1"/>
+          <p:nvPr/>
+        </p:nvSpPr>
+        <p:spPr>
+          <a:xfrm>
+            <a:off x="4042033" y="914402"/>
+            <a:ext cx="2736070" cy="369332"/>
+          </a:xfrm>
+          <a:prstGeom prst="rect">
+            <a:avLst/>
+          </a:prstGeom>
+          <a:noFill/>
+        </p:spPr>
+        <p:txBody>
+          <a:bodyPr wrap="none" rtlCol="0">
+            <a:spAutoFit/>
+          </a:bodyPr>
+          <a:lstStyle/>
+          <a:p>
+            <a:r>
+              <a:rPr kumimoji="1" lang="en-US" altLang="ja-JP">
+                <a:latin typeface="Meiryo UI" panose="020B0604030504040204" pitchFamily="34" charset="-128"/>
+                <a:ea typeface="Meiryo UI" panose="020B0604030504040204" pitchFamily="34" charset="-128"/>
+              </a:rPr>
+              <a:t>【</a:t>
+            </a:r>
+            <a:r>
+              <a:rPr lang="ja-JP" altLang="ja-JP">
+                <a:latin typeface="Meiryo UI" panose="020B0604030504040204" pitchFamily="34" charset="-128"/>
+                <a:ea typeface="Meiryo UI" panose="020B0604030504040204" pitchFamily="34" charset="-128"/>
+              </a:rPr>
+              <a:t>Inter-Graph Transfer</a:t>
+            </a:r>
+            <a:r>
+              <a:rPr kumimoji="1" lang="en-US" altLang="ja-JP">
+                <a:latin typeface="Meiryo UI" panose="020B0604030504040204" pitchFamily="34" charset="-128"/>
+                <a:ea typeface="Meiryo UI" panose="020B0604030504040204" pitchFamily="34" charset="-128"/>
+              </a:rPr>
+              <a:t>】</a:t>
+            </a:r>
+            <a:endParaRPr kumimoji="1" lang="ja-JP" altLang="en-US">
+              <a:latin typeface="Meiryo UI" panose="020B0604030504040204" pitchFamily="34" charset="-128"/>
+              <a:ea typeface="Meiryo UI" panose="020B0604030504040204" pitchFamily="34" charset="-128"/>
+            </a:endParaRPr>
+          </a:p>
+        </p:txBody>
+      </p:sp>
+      <p:pic>
+        <p:nvPicPr>
+          <p:cNvPr id="6" name="図 5">
+            <a:extLst>
+              <a:ext uri="{FF2B5EF4-FFF2-40B4-BE49-F238E27FC236}">
+                <a16:creationId xmlns:a16="http://schemas.microsoft.com/office/drawing/2014/main" id="{BF598938-44ED-9448-A9F0-F126A3B9934C}"/>
+              </a:ext>
+            </a:extLst>
+          </p:cNvPr>
+          <p:cNvPicPr>
+            <a:picLocks noChangeAspect="1"/>
+          </p:cNvPicPr>
+          <p:nvPr/>
+        </p:nvPicPr>
+        <p:blipFill>
+          <a:blip r:embed="rId2"/>
+          <a:stretch>
+            <a:fillRect/>
+          </a:stretch>
+        </p:blipFill>
+        <p:spPr>
+          <a:xfrm>
+            <a:off x="4508500" y="1405454"/>
+            <a:ext cx="1955800" cy="2730500"/>
+          </a:xfrm>
+          <a:prstGeom prst="rect">
+            <a:avLst/>
+          </a:prstGeom>
+        </p:spPr>
+      </p:pic>
+      <p:pic>
+        <p:nvPicPr>
+          <p:cNvPr id="7" name="図 6">
+            <a:extLst>
+              <a:ext uri="{FF2B5EF4-FFF2-40B4-BE49-F238E27FC236}">
+                <a16:creationId xmlns:a16="http://schemas.microsoft.com/office/drawing/2014/main" id="{F8E03042-30B7-A84F-A858-7DB7414C4B0A}"/>
+              </a:ext>
+            </a:extLst>
+          </p:cNvPr>
+          <p:cNvPicPr>
+            <a:picLocks noChangeAspect="1"/>
+          </p:cNvPicPr>
+          <p:nvPr/>
+        </p:nvPicPr>
+        <p:blipFill>
+          <a:blip r:embed="rId3"/>
+          <a:stretch>
+            <a:fillRect/>
+          </a:stretch>
+        </p:blipFill>
+        <p:spPr>
+          <a:xfrm>
+            <a:off x="2791734" y="1683782"/>
+            <a:ext cx="1612252" cy="2373868"/>
+          </a:xfrm>
+          <a:prstGeom prst="rect">
+            <a:avLst/>
+          </a:prstGeom>
+        </p:spPr>
+      </p:pic>
+      <p:sp>
+        <p:nvSpPr>
+          <p:cNvPr id="8" name="角丸四角形 7">
+            <a:extLst>
+              <a:ext uri="{FF2B5EF4-FFF2-40B4-BE49-F238E27FC236}">
+                <a16:creationId xmlns:a16="http://schemas.microsoft.com/office/drawing/2014/main" id="{6060508B-472D-7B49-829D-BBC5C0BB1996}"/>
+              </a:ext>
+            </a:extLst>
+          </p:cNvPr>
+          <p:cNvSpPr/>
+          <p:nvPr/>
+        </p:nvSpPr>
+        <p:spPr>
+          <a:xfrm>
+            <a:off x="4408486" y="1362590"/>
+            <a:ext cx="2106613" cy="2895084"/>
+          </a:xfrm>
+          <a:prstGeom prst="roundRect">
+            <a:avLst/>
+          </a:prstGeom>
+          <a:solidFill>
+            <a:schemeClr val="accent1">
+              <a:alpha val="12000"/>
+            </a:schemeClr>
+          </a:solidFill>
+        </p:spPr>
+        <p:style>
+          <a:lnRef idx="2">
+            <a:schemeClr val="accent1">
+              <a:shade val="50000"/>
+            </a:schemeClr>
+          </a:lnRef>
+          <a:fillRef idx="1">
+            <a:schemeClr val="accent1"/>
+          </a:fillRef>
+          <a:effectRef idx="0">
+            <a:schemeClr val="accent1"/>
+          </a:effectRef>
+          <a:fontRef idx="minor">
+            <a:schemeClr val="lt1"/>
+          </a:fontRef>
+        </p:style>
+        <p:txBody>
+          <a:bodyPr rtlCol="0" anchor="ctr"/>
+          <a:lstStyle/>
+          <a:p>
+            <a:pPr algn="ctr"/>
+            <a:endParaRPr kumimoji="1" lang="ja-JP" altLang="en-US"/>
+          </a:p>
+        </p:txBody>
+      </p:sp>
+      <p:cxnSp>
+        <p:nvCxnSpPr>
+          <p:cNvPr id="10" name="直線コネクタ 9">
+            <a:extLst>
+              <a:ext uri="{FF2B5EF4-FFF2-40B4-BE49-F238E27FC236}">
+                <a16:creationId xmlns:a16="http://schemas.microsoft.com/office/drawing/2014/main" id="{591D08B8-EBAE-A64A-B701-8C75F6E7DF2B}"/>
+              </a:ext>
+            </a:extLst>
+          </p:cNvPr>
+          <p:cNvCxnSpPr>
+            <a:cxnSpLocks/>
+          </p:cNvCxnSpPr>
+          <p:nvPr/>
+        </p:nvCxnSpPr>
+        <p:spPr>
+          <a:xfrm>
+            <a:off x="5072061" y="2214560"/>
+            <a:ext cx="100014" cy="510384"/>
+          </a:xfrm>
+          <a:prstGeom prst="line">
+            <a:avLst/>
+          </a:prstGeom>
+          <a:ln w="9525">
+            <a:solidFill>
+              <a:srgbClr val="FF0000"/>
+            </a:solidFill>
+          </a:ln>
+        </p:spPr>
+        <p:style>
+          <a:lnRef idx="1">
+            <a:schemeClr val="accent1"/>
+          </a:lnRef>
+          <a:fillRef idx="0">
+            <a:schemeClr val="accent1"/>
+          </a:fillRef>
+          <a:effectRef idx="0">
+            <a:schemeClr val="accent1"/>
+          </a:effectRef>
+          <a:fontRef idx="minor">
+            <a:schemeClr val="tx1"/>
+          </a:fontRef>
+        </p:style>
+      </p:cxnSp>
+      <p:cxnSp>
+        <p:nvCxnSpPr>
+          <p:cNvPr id="15" name="直線コネクタ 14">
+            <a:extLst>
+              <a:ext uri="{FF2B5EF4-FFF2-40B4-BE49-F238E27FC236}">
+                <a16:creationId xmlns:a16="http://schemas.microsoft.com/office/drawing/2014/main" id="{F733CB09-437B-C444-B3A7-E99F84B96382}"/>
+              </a:ext>
+            </a:extLst>
+          </p:cNvPr>
+          <p:cNvCxnSpPr>
+            <a:cxnSpLocks/>
+          </p:cNvCxnSpPr>
+          <p:nvPr/>
+        </p:nvCxnSpPr>
+        <p:spPr>
+          <a:xfrm flipH="1">
+            <a:off x="4957763" y="2192855"/>
+            <a:ext cx="114298" cy="749301"/>
+          </a:xfrm>
+          <a:prstGeom prst="line">
+            <a:avLst/>
+          </a:prstGeom>
+          <a:ln>
+            <a:solidFill>
+              <a:srgbClr val="FF0000"/>
+            </a:solidFill>
+          </a:ln>
+        </p:spPr>
+        <p:style>
+          <a:lnRef idx="1">
+            <a:schemeClr val="accent1"/>
+          </a:lnRef>
+          <a:fillRef idx="0">
+            <a:schemeClr val="accent1"/>
+          </a:fillRef>
+          <a:effectRef idx="0">
+            <a:schemeClr val="accent1"/>
+          </a:effectRef>
+          <a:fontRef idx="minor">
+            <a:schemeClr val="tx1"/>
+          </a:fontRef>
+        </p:style>
+      </p:cxnSp>
+      <p:cxnSp>
+        <p:nvCxnSpPr>
+          <p:cNvPr id="16" name="直線コネクタ 15">
+            <a:extLst>
+              <a:ext uri="{FF2B5EF4-FFF2-40B4-BE49-F238E27FC236}">
+                <a16:creationId xmlns:a16="http://schemas.microsoft.com/office/drawing/2014/main" id="{7B3191A6-F1C8-2E45-AA04-8E6F51B8EFB6}"/>
+              </a:ext>
+            </a:extLst>
+          </p:cNvPr>
+          <p:cNvCxnSpPr>
+            <a:cxnSpLocks/>
+          </p:cNvCxnSpPr>
+          <p:nvPr/>
+        </p:nvCxnSpPr>
+        <p:spPr>
+          <a:xfrm>
+            <a:off x="5072061" y="2192855"/>
+            <a:ext cx="300039" cy="677861"/>
+          </a:xfrm>
+          <a:prstGeom prst="line">
+            <a:avLst/>
+          </a:prstGeom>
+          <a:ln>
+            <a:solidFill>
+              <a:srgbClr val="FF0000"/>
+            </a:solidFill>
+          </a:ln>
+        </p:spPr>
+        <p:style>
+          <a:lnRef idx="1">
+            <a:schemeClr val="accent1"/>
+          </a:lnRef>
+          <a:fillRef idx="0">
+            <a:schemeClr val="accent1"/>
+          </a:fillRef>
+          <a:effectRef idx="0">
+            <a:schemeClr val="accent1"/>
+          </a:effectRef>
+          <a:fontRef idx="minor">
+            <a:schemeClr val="tx1"/>
+          </a:fontRef>
+        </p:style>
+      </p:cxnSp>
+      <p:sp>
+        <p:nvSpPr>
+          <p:cNvPr id="25" name="テキスト ボックス 24">
+            <a:extLst>
+              <a:ext uri="{FF2B5EF4-FFF2-40B4-BE49-F238E27FC236}">
+                <a16:creationId xmlns:a16="http://schemas.microsoft.com/office/drawing/2014/main" id="{FBB253E7-0AD8-D044-87CE-CE4A1E51937A}"/>
+              </a:ext>
+            </a:extLst>
+          </p:cNvPr>
+          <p:cNvSpPr txBox="1"/>
+          <p:nvPr/>
+        </p:nvSpPr>
+        <p:spPr>
+          <a:xfrm>
+            <a:off x="6704270" y="2054355"/>
+            <a:ext cx="3570208" cy="461665"/>
+          </a:xfrm>
+          <a:prstGeom prst="rect">
+            <a:avLst/>
+          </a:prstGeom>
+          <a:noFill/>
+        </p:spPr>
+        <p:txBody>
+          <a:bodyPr wrap="none" rtlCol="0">
+            <a:spAutoFit/>
+          </a:bodyPr>
+          <a:lstStyle/>
+          <a:p>
+            <a:r>
+              <a:rPr lang="ja-JP" altLang="en-US" sz="1200"/>
+              <a:t>異なる</a:t>
+            </a:r>
+            <a:r>
+              <a:rPr kumimoji="1" lang="ja-JP" altLang="en-US" sz="1200"/>
+              <a:t>データセット内で包含関係</a:t>
+            </a:r>
+            <a:r>
+              <a:rPr lang="ja-JP" altLang="en-US" sz="1200"/>
+              <a:t>をもつ</a:t>
+            </a:r>
+            <a:r>
+              <a:rPr kumimoji="1" lang="ja-JP" altLang="en-US" sz="1200"/>
+              <a:t>頂点間を</a:t>
+            </a:r>
+            <a:endParaRPr kumimoji="1" lang="en-US" altLang="ja-JP" sz="1200"/>
+          </a:p>
+          <a:p>
+            <a:r>
+              <a:rPr kumimoji="1" lang="ja-JP" altLang="en-US" sz="1200"/>
+              <a:t>つなぐ辺構造を学習する</a:t>
+            </a:r>
+          </a:p>
+        </p:txBody>
+      </p:sp>
+      <p:cxnSp>
+        <p:nvCxnSpPr>
+          <p:cNvPr id="27" name="直線矢印コネクタ 26">
+            <a:extLst>
+              <a:ext uri="{FF2B5EF4-FFF2-40B4-BE49-F238E27FC236}">
+                <a16:creationId xmlns:a16="http://schemas.microsoft.com/office/drawing/2014/main" id="{D7AB576A-954A-E04B-819D-6A1C5A0A76DC}"/>
+              </a:ext>
+            </a:extLst>
+          </p:cNvPr>
+          <p:cNvCxnSpPr>
+            <a:cxnSpLocks/>
+          </p:cNvCxnSpPr>
+          <p:nvPr/>
+        </p:nvCxnSpPr>
+        <p:spPr>
+          <a:xfrm flipH="1">
+            <a:off x="5279232" y="2285188"/>
+            <a:ext cx="1482190" cy="184564"/>
+          </a:xfrm>
+          <a:prstGeom prst="straightConnector1">
+            <a:avLst/>
+          </a:prstGeom>
+          <a:ln>
+            <a:tailEnd type="triangle"/>
+          </a:ln>
+        </p:spPr>
+        <p:style>
+          <a:lnRef idx="1">
+            <a:schemeClr val="accent1"/>
+          </a:lnRef>
+          <a:fillRef idx="0">
+            <a:schemeClr val="accent1"/>
+          </a:fillRef>
+          <a:effectRef idx="0">
+            <a:schemeClr val="accent1"/>
+          </a:effectRef>
+          <a:fontRef idx="minor">
+            <a:schemeClr val="tx1"/>
+          </a:fontRef>
+        </p:style>
+      </p:cxnSp>
+      <mc:AlternateContent xmlns:mc="http://schemas.openxmlformats.org/markup-compatibility/2006">
+        <mc:Choice xmlns:a14="http://schemas.microsoft.com/office/drawing/2010/main" Requires="a14">
+          <p:sp>
+            <p:nvSpPr>
+              <p:cNvPr id="28" name="テキスト ボックス 27">
+                <a:extLst>
+                  <a:ext uri="{FF2B5EF4-FFF2-40B4-BE49-F238E27FC236}">
+                    <a16:creationId xmlns:a16="http://schemas.microsoft.com/office/drawing/2014/main" id="{152A6A16-0850-694A-8BB4-D33867395B8F}"/>
+                  </a:ext>
+                </a:extLst>
+              </p:cNvPr>
+              <p:cNvSpPr txBox="1"/>
+              <p:nvPr/>
+            </p:nvSpPr>
+            <p:spPr>
+              <a:xfrm>
+                <a:off x="6778103" y="2486082"/>
+                <a:ext cx="2451377" cy="369332"/>
+              </a:xfrm>
+              <a:prstGeom prst="rect">
+                <a:avLst/>
+              </a:prstGeom>
+              <a:noFill/>
+            </p:spPr>
+            <p:txBody>
+              <a:bodyPr wrap="none" rtlCol="0">
+                <a:spAutoFit/>
+              </a:bodyPr>
+              <a:lstStyle/>
+              <a:p>
+                <a14:m>
+                  <m:oMathPara xmlns:m="http://schemas.openxmlformats.org/officeDocument/2006/math">
+                    <m:oMathParaPr>
+                      <m:jc m:val="centerGroup"/>
+                    </m:oMathParaPr>
+                    <m:oMath xmlns:m="http://schemas.openxmlformats.org/officeDocument/2006/math">
+                      <m:sSub>
+                        <m:sSubPr>
+                          <m:ctrlPr>
+                            <a:rPr lang="x-none" altLang="ja-JP" i="1"/>
+                          </m:ctrlPr>
+                        </m:sSubPr>
+                        <m:e>
+                          <m:r>
+                            <a:rPr lang="x-none" altLang="ja-JP"/>
+                            <m:t>𝑍</m:t>
+                          </m:r>
+                        </m:e>
+                        <m:sub>
+                          <m:r>
+                            <a:rPr lang="x-none" altLang="ja-JP"/>
+                            <m:t>𝑡</m:t>
+                          </m:r>
+                        </m:sub>
+                      </m:sSub>
+                      <m:r>
+                        <a:rPr lang="x-none" altLang="ja-JP"/>
+                        <m:t>=</m:t>
+                      </m:r>
+                      <m:sSub>
+                        <m:sSubPr>
+                          <m:ctrlPr>
+                            <a:rPr lang="x-none" altLang="ja-JP" i="1"/>
+                          </m:ctrlPr>
+                        </m:sSubPr>
+                        <m:e>
+                          <m:r>
+                            <a:rPr lang="x-none" altLang="ja-JP"/>
+                            <m:t>𝑍</m:t>
+                          </m:r>
+                        </m:e>
+                        <m:sub>
+                          <m:r>
+                            <a:rPr lang="x-none" altLang="ja-JP"/>
+                            <m:t>𝑡</m:t>
+                          </m:r>
+                        </m:sub>
+                      </m:sSub>
+                      <m:r>
+                        <a:rPr lang="x-none" altLang="ja-JP"/>
+                        <m:t>+</m:t>
+                      </m:r>
+                      <m:r>
+                        <a:rPr lang="x-none" altLang="ja-JP"/>
+                        <m:t>𝜎</m:t>
+                      </m:r>
+                      <m:d>
+                        <m:dPr>
+                          <m:ctrlPr>
+                            <a:rPr lang="x-none" altLang="ja-JP" i="1"/>
+                          </m:ctrlPr>
+                        </m:dPr>
+                        <m:e>
+                          <m:sSub>
+                            <m:sSubPr>
+                              <m:ctrlPr>
+                                <a:rPr lang="x-none" altLang="ja-JP" i="1"/>
+                              </m:ctrlPr>
+                            </m:sSubPr>
+                            <m:e>
+                              <m:r>
+                                <a:rPr lang="x-none" altLang="ja-JP"/>
+                                <m:t>𝐴</m:t>
+                              </m:r>
+                            </m:e>
+                            <m:sub>
+                              <m:r>
+                                <a:rPr lang="x-none" altLang="ja-JP"/>
+                                <m:t>𝑡𝑟</m:t>
+                              </m:r>
+                            </m:sub>
+                          </m:sSub>
+                          <m:sSub>
+                            <m:sSubPr>
+                              <m:ctrlPr>
+                                <a:rPr lang="x-none" altLang="ja-JP" i="1"/>
+                              </m:ctrlPr>
+                            </m:sSubPr>
+                            <m:e>
+                              <m:r>
+                                <a:rPr lang="x-none" altLang="ja-JP"/>
+                                <m:t>𝑍</m:t>
+                              </m:r>
+                            </m:e>
+                            <m:sub>
+                              <m:r>
+                                <a:rPr lang="x-none" altLang="ja-JP"/>
+                                <m:t>𝑠</m:t>
+                              </m:r>
+                            </m:sub>
+                          </m:sSub>
+                          <m:sSub>
+                            <m:sSubPr>
+                              <m:ctrlPr>
+                                <a:rPr lang="x-none" altLang="ja-JP" i="1"/>
+                              </m:ctrlPr>
+                            </m:sSubPr>
+                            <m:e>
+                              <m:r>
+                                <a:rPr lang="x-none" altLang="ja-JP"/>
+                                <m:t>𝑊</m:t>
+                              </m:r>
+                            </m:e>
+                            <m:sub>
+                              <m:r>
+                                <a:rPr lang="x-none" altLang="ja-JP"/>
+                                <m:t>𝑡𝑟</m:t>
+                              </m:r>
+                            </m:sub>
+                          </m:sSub>
+                        </m:e>
+                      </m:d>
+                    </m:oMath>
+                  </m:oMathPara>
+                </a14:m>
+                <a:endParaRPr lang="x-none" altLang="ja-JP"/>
+              </a:p>
+            </p:txBody>
+          </p:sp>
+        </mc:Choice>
+        <mc:Fallback>
+          <p:sp>
+            <p:nvSpPr>
+              <p:cNvPr id="28" name="テキスト ボックス 27">
+                <a:extLst>
+                  <a:ext uri="{FF2B5EF4-FFF2-40B4-BE49-F238E27FC236}">
+                    <a16:creationId xmlns:a16="http://schemas.microsoft.com/office/drawing/2014/main" id="{152A6A16-0850-694A-8BB4-D33867395B8F}"/>
+                  </a:ext>
+                </a:extLst>
+              </p:cNvPr>
+              <p:cNvSpPr txBox="1">
+                <a:spLocks noRot="1" noChangeAspect="1" noMove="1" noResize="1" noEditPoints="1" noAdjustHandles="1" noChangeArrowheads="1" noChangeShapeType="1" noTextEdit="1"/>
+              </p:cNvSpPr>
+              <p:nvPr/>
+            </p:nvSpPr>
+            <p:spPr>
+              <a:xfrm>
+                <a:off x="6778103" y="2486082"/>
+                <a:ext cx="2451377" cy="369332"/>
+              </a:xfrm>
+              <a:prstGeom prst="rect">
+                <a:avLst/>
+              </a:prstGeom>
+              <a:blipFill>
+                <a:blip r:embed="rId4"/>
+                <a:stretch>
+                  <a:fillRect/>
+                </a:stretch>
+              </a:blipFill>
+            </p:spPr>
+            <p:txBody>
+              <a:bodyPr/>
+              <a:lstStyle/>
+              <a:p>
+                <a:r>
+                  <a:rPr lang="ja-JP" altLang="en-US">
+                    <a:noFill/>
+                  </a:rPr>
+                  <a:t> </a:t>
+                </a:r>
+              </a:p>
+            </p:txBody>
+          </p:sp>
+        </mc:Fallback>
+      </mc:AlternateContent>
+      <p:sp>
+        <p:nvSpPr>
+          <p:cNvPr id="29" name="正方形/長方形 28">
+            <a:extLst>
+              <a:ext uri="{FF2B5EF4-FFF2-40B4-BE49-F238E27FC236}">
+                <a16:creationId xmlns:a16="http://schemas.microsoft.com/office/drawing/2014/main" id="{9F147C87-DEE0-814F-8DF5-08CA858F659F}"/>
+              </a:ext>
+            </a:extLst>
+          </p:cNvPr>
+          <p:cNvSpPr/>
+          <p:nvPr/>
+        </p:nvSpPr>
+        <p:spPr>
+          <a:xfrm>
+            <a:off x="2514600" y="1628777"/>
+            <a:ext cx="1875098" cy="2243138"/>
+          </a:xfrm>
+          <a:prstGeom prst="rect">
+            <a:avLst/>
+          </a:prstGeom>
+          <a:solidFill>
+            <a:schemeClr val="bg1"/>
+          </a:solidFill>
+          <a:ln>
+            <a:noFill/>
+          </a:ln>
+        </p:spPr>
+        <p:style>
+          <a:lnRef idx="2">
+            <a:schemeClr val="accent1">
+              <a:shade val="50000"/>
+            </a:schemeClr>
+          </a:lnRef>
+          <a:fillRef idx="1">
+            <a:schemeClr val="accent1"/>
+          </a:fillRef>
+          <a:effectRef idx="0">
+            <a:schemeClr val="accent1"/>
+          </a:effectRef>
+          <a:fontRef idx="minor">
+            <a:schemeClr val="lt1"/>
+          </a:fontRef>
+        </p:style>
+        <p:txBody>
+          <a:bodyPr rtlCol="0" anchor="ctr"/>
+          <a:lstStyle/>
+          <a:p>
+            <a:pPr algn="ctr"/>
+            <a:endParaRPr kumimoji="1" lang="ja-JP" altLang="en-US"/>
+          </a:p>
+        </p:txBody>
+      </p:sp>
+      <mc:AlternateContent xmlns:mc="http://schemas.openxmlformats.org/markup-compatibility/2006">
+        <mc:Choice xmlns:a14="http://schemas.microsoft.com/office/drawing/2010/main" Requires="a14">
+          <p:sp>
+            <p:nvSpPr>
+              <p:cNvPr id="30" name="正方形/長方形 29">
+                <a:extLst>
+                  <a:ext uri="{FF2B5EF4-FFF2-40B4-BE49-F238E27FC236}">
+                    <a16:creationId xmlns:a16="http://schemas.microsoft.com/office/drawing/2014/main" id="{4BA4B9A4-2C31-B849-8819-41487BC2E5B9}"/>
+                  </a:ext>
+                </a:extLst>
+              </p:cNvPr>
+              <p:cNvSpPr/>
+              <p:nvPr/>
+            </p:nvSpPr>
+            <p:spPr>
+              <a:xfrm>
+                <a:off x="3058541" y="1790505"/>
+                <a:ext cx="1324465" cy="338554"/>
+              </a:xfrm>
+              <a:prstGeom prst="rect">
+                <a:avLst/>
+              </a:prstGeom>
+            </p:spPr>
+            <p:txBody>
+              <a:bodyPr wrap="none">
+                <a:spAutoFit/>
+              </a:bodyPr>
+              <a:lstStyle/>
+              <a:p>
+                <a14:m>
+                  <m:oMathPara xmlns:m="http://schemas.openxmlformats.org/officeDocument/2006/math">
+                    <m:oMathParaPr>
+                      <m:jc m:val="centerGroup"/>
+                    </m:oMathParaPr>
+                    <m:oMath xmlns:m="http://schemas.openxmlformats.org/officeDocument/2006/math">
+                      <m:sSub>
+                        <m:sSubPr>
+                          <m:ctrlPr>
+                            <a:rPr lang="x-none" altLang="ja-JP" sz="1600" i="1">
+                              <a:latin typeface="Cambria Math" panose="02040503050406030204" pitchFamily="18" charset="0"/>
+                              <a:ea typeface="Cambria Math" panose="02040503050406030204" pitchFamily="18" charset="0"/>
+                            </a:rPr>
+                          </m:ctrlPr>
+                        </m:sSubPr>
+                        <m:e>
+                          <m:r>
+                            <a:rPr lang="x-none" altLang="ja-JP" sz="1600">
+                              <a:latin typeface="Cambria Math" panose="02040503050406030204" pitchFamily="18" charset="0"/>
+                              <a:ea typeface="Cambria Math" panose="02040503050406030204" pitchFamily="18" charset="0"/>
+                            </a:rPr>
+                            <m:t>𝐺</m:t>
+                          </m:r>
+                        </m:e>
+                        <m:sub>
+                          <m:r>
+                            <a:rPr lang="x-none" altLang="ja-JP" sz="1600">
+                              <a:latin typeface="Cambria Math" panose="02040503050406030204" pitchFamily="18" charset="0"/>
+                              <a:ea typeface="Cambria Math" panose="02040503050406030204" pitchFamily="18" charset="0"/>
+                            </a:rPr>
+                            <m:t>𝑠</m:t>
+                          </m:r>
+                        </m:sub>
+                      </m:sSub>
+                      <m:r>
+                        <a:rPr lang="x-none" altLang="ja-JP" sz="1600">
+                          <a:latin typeface="Cambria Math" panose="02040503050406030204" pitchFamily="18" charset="0"/>
+                          <a:ea typeface="Cambria Math" panose="02040503050406030204" pitchFamily="18" charset="0"/>
+                        </a:rPr>
+                        <m:t>=</m:t>
+                      </m:r>
+                      <m:d>
+                        <m:dPr>
+                          <m:ctrlPr>
+                            <a:rPr lang="x-none" altLang="ja-JP" sz="1600" i="1">
+                              <a:latin typeface="Cambria Math" panose="02040503050406030204" pitchFamily="18" charset="0"/>
+                              <a:ea typeface="Cambria Math" panose="02040503050406030204" pitchFamily="18" charset="0"/>
+                            </a:rPr>
+                          </m:ctrlPr>
+                        </m:dPr>
+                        <m:e>
+                          <m:sSub>
+                            <m:sSubPr>
+                              <m:ctrlPr>
+                                <a:rPr lang="x-none" altLang="ja-JP" sz="1600" i="1">
+                                  <a:latin typeface="Cambria Math" panose="02040503050406030204" pitchFamily="18" charset="0"/>
+                                  <a:ea typeface="Cambria Math" panose="02040503050406030204" pitchFamily="18" charset="0"/>
+                                </a:rPr>
+                              </m:ctrlPr>
+                            </m:sSubPr>
+                            <m:e>
+                              <m:r>
+                                <a:rPr lang="x-none" altLang="ja-JP" sz="1600">
+                                  <a:latin typeface="Cambria Math" panose="02040503050406030204" pitchFamily="18" charset="0"/>
+                                  <a:ea typeface="Cambria Math" panose="02040503050406030204" pitchFamily="18" charset="0"/>
+                                </a:rPr>
+                                <m:t>𝑉</m:t>
+                              </m:r>
+                            </m:e>
+                            <m:sub>
+                              <m:r>
+                                <a:rPr lang="x-none" altLang="ja-JP" sz="1600">
+                                  <a:latin typeface="Cambria Math" panose="02040503050406030204" pitchFamily="18" charset="0"/>
+                                  <a:ea typeface="Cambria Math" panose="02040503050406030204" pitchFamily="18" charset="0"/>
+                                </a:rPr>
+                                <m:t>𝑠</m:t>
+                              </m:r>
+                            </m:sub>
+                          </m:sSub>
+                          <m:r>
+                            <a:rPr lang="x-none" altLang="ja-JP" sz="1600">
+                              <a:latin typeface="Cambria Math" panose="02040503050406030204" pitchFamily="18" charset="0"/>
+                              <a:ea typeface="Cambria Math" panose="02040503050406030204" pitchFamily="18" charset="0"/>
+                            </a:rPr>
+                            <m:t>,</m:t>
+                          </m:r>
+                          <m:sSub>
+                            <m:sSubPr>
+                              <m:ctrlPr>
+                                <a:rPr lang="x-none" altLang="ja-JP" sz="1600" i="1">
+                                  <a:latin typeface="Cambria Math" panose="02040503050406030204" pitchFamily="18" charset="0"/>
+                                  <a:ea typeface="Cambria Math" panose="02040503050406030204" pitchFamily="18" charset="0"/>
+                                </a:rPr>
+                              </m:ctrlPr>
+                            </m:sSubPr>
+                            <m:e>
+                              <m:r>
+                                <a:rPr lang="x-none" altLang="ja-JP" sz="1600">
+                                  <a:latin typeface="Cambria Math" panose="02040503050406030204" pitchFamily="18" charset="0"/>
+                                  <a:ea typeface="Cambria Math" panose="02040503050406030204" pitchFamily="18" charset="0"/>
+                                </a:rPr>
+                                <m:t>𝐸</m:t>
+                              </m:r>
+                            </m:e>
+                            <m:sub>
+                              <m:r>
+                                <a:rPr lang="x-none" altLang="ja-JP" sz="1600">
+                                  <a:latin typeface="Cambria Math" panose="02040503050406030204" pitchFamily="18" charset="0"/>
+                                  <a:ea typeface="Cambria Math" panose="02040503050406030204" pitchFamily="18" charset="0"/>
+                                </a:rPr>
+                                <m:t>𝑠</m:t>
+                              </m:r>
+                            </m:sub>
+                          </m:sSub>
+                        </m:e>
+                      </m:d>
+                    </m:oMath>
+                  </m:oMathPara>
+                </a14:m>
+                <a:endParaRPr lang="x-none" altLang="ja-JP" sz="1600">
+                  <a:ea typeface="Cambria Math" panose="02040503050406030204" pitchFamily="18" charset="0"/>
+                </a:endParaRPr>
+              </a:p>
+            </p:txBody>
+          </p:sp>
+        </mc:Choice>
+        <mc:Fallback>
+          <p:sp>
+            <p:nvSpPr>
+              <p:cNvPr id="30" name="正方形/長方形 29">
+                <a:extLst>
+                  <a:ext uri="{FF2B5EF4-FFF2-40B4-BE49-F238E27FC236}">
+                    <a16:creationId xmlns:a16="http://schemas.microsoft.com/office/drawing/2014/main" id="{4BA4B9A4-2C31-B849-8819-41487BC2E5B9}"/>
+                  </a:ext>
+                </a:extLst>
+              </p:cNvPr>
+              <p:cNvSpPr>
+                <a:spLocks noRot="1" noChangeAspect="1" noMove="1" noResize="1" noEditPoints="1" noAdjustHandles="1" noChangeArrowheads="1" noChangeShapeType="1" noTextEdit="1"/>
+              </p:cNvSpPr>
+              <p:nvPr/>
+            </p:nvSpPr>
+            <p:spPr>
+              <a:xfrm>
+                <a:off x="3058541" y="1790505"/>
+                <a:ext cx="1324465" cy="338554"/>
+              </a:xfrm>
+              <a:prstGeom prst="rect">
+                <a:avLst/>
+              </a:prstGeom>
+              <a:blipFill>
+                <a:blip r:embed="rId5"/>
+                <a:stretch>
+                  <a:fillRect/>
+                </a:stretch>
+              </a:blipFill>
+            </p:spPr>
+            <p:txBody>
+              <a:bodyPr/>
+              <a:lstStyle/>
+              <a:p>
+                <a:r>
+                  <a:rPr lang="ja-JP" altLang="en-US">
+                    <a:noFill/>
+                  </a:rPr>
+                  <a:t> </a:t>
+                </a:r>
+              </a:p>
+            </p:txBody>
+          </p:sp>
+        </mc:Fallback>
+      </mc:AlternateContent>
+      <mc:AlternateContent xmlns:mc="http://schemas.openxmlformats.org/markup-compatibility/2006">
+        <mc:Choice xmlns:a14="http://schemas.microsoft.com/office/drawing/2010/main" Requires="a14">
+          <p:sp>
+            <p:nvSpPr>
+              <p:cNvPr id="31" name="テキスト ボックス 30">
+                <a:extLst>
+                  <a:ext uri="{FF2B5EF4-FFF2-40B4-BE49-F238E27FC236}">
+                    <a16:creationId xmlns:a16="http://schemas.microsoft.com/office/drawing/2014/main" id="{535174E4-D637-FB42-963B-2532B864AF02}"/>
+                  </a:ext>
+                </a:extLst>
+              </p:cNvPr>
+              <p:cNvSpPr txBox="1"/>
+              <p:nvPr/>
+            </p:nvSpPr>
+            <p:spPr>
+              <a:xfrm>
+                <a:off x="3006624" y="2675563"/>
+                <a:ext cx="1314526" cy="338554"/>
+              </a:xfrm>
+              <a:prstGeom prst="rect">
+                <a:avLst/>
+              </a:prstGeom>
+              <a:noFill/>
+            </p:spPr>
+            <p:txBody>
+              <a:bodyPr wrap="none" rtlCol="0">
+                <a:spAutoFit/>
+              </a:bodyPr>
+              <a:lstStyle/>
+              <a:p>
+                <a14:m>
+                  <m:oMathPara xmlns:m="http://schemas.openxmlformats.org/officeDocument/2006/math">
+                    <m:oMathParaPr>
+                      <m:jc m:val="centerGroup"/>
+                    </m:oMathParaPr>
+                    <m:oMath xmlns:m="http://schemas.openxmlformats.org/officeDocument/2006/math">
+                      <m:sSub>
+                        <m:sSubPr>
+                          <m:ctrlPr>
+                            <a:rPr lang="x-none" altLang="ja-JP" sz="1600" i="1"/>
+                          </m:ctrlPr>
+                        </m:sSubPr>
+                        <m:e>
+                          <m:r>
+                            <a:rPr lang="x-none" altLang="ja-JP" sz="1600"/>
+                            <m:t>𝐺</m:t>
+                          </m:r>
+                        </m:e>
+                        <m:sub>
+                          <m:r>
+                            <a:rPr lang="x-none" altLang="ja-JP" sz="1600"/>
+                            <m:t>𝑡</m:t>
+                          </m:r>
+                        </m:sub>
+                      </m:sSub>
+                      <m:r>
+                        <a:rPr lang="x-none" altLang="ja-JP" sz="1600"/>
+                        <m:t>=</m:t>
+                      </m:r>
+                      <m:d>
+                        <m:dPr>
+                          <m:ctrlPr>
+                            <a:rPr lang="x-none" altLang="ja-JP" sz="1600" i="1"/>
+                          </m:ctrlPr>
+                        </m:dPr>
+                        <m:e>
+                          <m:sSub>
+                            <m:sSubPr>
+                              <m:ctrlPr>
+                                <a:rPr lang="x-none" altLang="ja-JP" sz="1600" i="1"/>
+                              </m:ctrlPr>
+                            </m:sSubPr>
+                            <m:e>
+                              <m:r>
+                                <a:rPr lang="x-none" altLang="ja-JP" sz="1600"/>
+                                <m:t>𝑉</m:t>
+                              </m:r>
+                            </m:e>
+                            <m:sub>
+                              <m:r>
+                                <a:rPr lang="x-none" altLang="ja-JP" sz="1600"/>
+                                <m:t>𝑡</m:t>
+                              </m:r>
+                            </m:sub>
+                          </m:sSub>
+                          <m:r>
+                            <a:rPr lang="x-none" altLang="ja-JP" sz="1600"/>
+                            <m:t>,</m:t>
+                          </m:r>
+                          <m:sSub>
+                            <m:sSubPr>
+                              <m:ctrlPr>
+                                <a:rPr lang="x-none" altLang="ja-JP" sz="1600" i="1"/>
+                              </m:ctrlPr>
+                            </m:sSubPr>
+                            <m:e>
+                              <m:r>
+                                <a:rPr lang="x-none" altLang="ja-JP" sz="1600"/>
+                                <m:t>𝐸</m:t>
+                              </m:r>
+                            </m:e>
+                            <m:sub>
+                              <m:r>
+                                <a:rPr lang="x-none" altLang="ja-JP" sz="1600"/>
+                                <m:t>𝑡</m:t>
+                              </m:r>
+                            </m:sub>
+                          </m:sSub>
+                        </m:e>
+                      </m:d>
+                    </m:oMath>
+                  </m:oMathPara>
+                </a14:m>
+                <a:endParaRPr lang="x-none" altLang="ja-JP" sz="1600"/>
+              </a:p>
+            </p:txBody>
+          </p:sp>
+        </mc:Choice>
+        <mc:Fallback>
+          <p:sp>
+            <p:nvSpPr>
+              <p:cNvPr id="31" name="テキスト ボックス 30">
+                <a:extLst>
+                  <a:ext uri="{FF2B5EF4-FFF2-40B4-BE49-F238E27FC236}">
+                    <a16:creationId xmlns:a16="http://schemas.microsoft.com/office/drawing/2014/main" id="{535174E4-D637-FB42-963B-2532B864AF02}"/>
+                  </a:ext>
+                </a:extLst>
+              </p:cNvPr>
+              <p:cNvSpPr txBox="1">
+                <a:spLocks noRot="1" noChangeAspect="1" noMove="1" noResize="1" noEditPoints="1" noAdjustHandles="1" noChangeArrowheads="1" noChangeShapeType="1" noTextEdit="1"/>
+              </p:cNvSpPr>
+              <p:nvPr/>
+            </p:nvSpPr>
+            <p:spPr>
+              <a:xfrm>
+                <a:off x="3006624" y="2675563"/>
+                <a:ext cx="1314526" cy="338554"/>
+              </a:xfrm>
+              <a:prstGeom prst="rect">
+                <a:avLst/>
+              </a:prstGeom>
+              <a:blipFill>
+                <a:blip r:embed="rId6"/>
+                <a:stretch>
+                  <a:fillRect/>
+                </a:stretch>
+              </a:blipFill>
+            </p:spPr>
+            <p:txBody>
+              <a:bodyPr/>
+              <a:lstStyle/>
+              <a:p>
+                <a:r>
+                  <a:rPr lang="ja-JP" altLang="en-US">
+                    <a:noFill/>
+                  </a:rPr>
+                  <a:t> </a:t>
+                </a:r>
+              </a:p>
+            </p:txBody>
+          </p:sp>
+        </mc:Fallback>
+      </mc:AlternateContent>
+      <p:sp>
+        <p:nvSpPr>
+          <p:cNvPr id="32" name="テキスト ボックス 31">
+            <a:extLst>
+              <a:ext uri="{FF2B5EF4-FFF2-40B4-BE49-F238E27FC236}">
+                <a16:creationId xmlns:a16="http://schemas.microsoft.com/office/drawing/2014/main" id="{6180B2C6-8DFD-B94F-83FD-3915F2D76BC7}"/>
+              </a:ext>
+            </a:extLst>
+          </p:cNvPr>
+          <p:cNvSpPr txBox="1"/>
+          <p:nvPr/>
+        </p:nvSpPr>
+        <p:spPr>
+          <a:xfrm>
+            <a:off x="2951540" y="1468846"/>
+            <a:ext cx="1569660" cy="276999"/>
+          </a:xfrm>
+          <a:prstGeom prst="rect">
+            <a:avLst/>
+          </a:prstGeom>
+          <a:noFill/>
+        </p:spPr>
+        <p:txBody>
+          <a:bodyPr wrap="none" rtlCol="0">
+            <a:spAutoFit/>
+          </a:bodyPr>
+          <a:lstStyle/>
+          <a:p>
+            <a:r>
+              <a:rPr kumimoji="1" lang="ja-JP" altLang="en-US" sz="1200"/>
+              <a:t>転送元の無向グラフ</a:t>
+            </a:r>
+          </a:p>
+        </p:txBody>
+      </p:sp>
+      <p:sp>
+        <p:nvSpPr>
+          <p:cNvPr id="33" name="テキスト ボックス 32">
+            <a:extLst>
+              <a:ext uri="{FF2B5EF4-FFF2-40B4-BE49-F238E27FC236}">
+                <a16:creationId xmlns:a16="http://schemas.microsoft.com/office/drawing/2014/main" id="{14A09AEC-C70F-A442-9299-1E24AB41E2E3}"/>
+              </a:ext>
+            </a:extLst>
+          </p:cNvPr>
+          <p:cNvSpPr txBox="1"/>
+          <p:nvPr/>
+        </p:nvSpPr>
+        <p:spPr>
+          <a:xfrm>
+            <a:off x="2946702" y="2420676"/>
+            <a:ext cx="1569660" cy="276999"/>
+          </a:xfrm>
+          <a:prstGeom prst="rect">
+            <a:avLst/>
+          </a:prstGeom>
+          <a:noFill/>
+        </p:spPr>
+        <p:txBody>
+          <a:bodyPr wrap="none" rtlCol="0">
+            <a:spAutoFit/>
+          </a:bodyPr>
+          <a:lstStyle/>
+          <a:p>
+            <a:r>
+              <a:rPr kumimoji="1" lang="ja-JP" altLang="en-US" sz="1200"/>
+              <a:t>転送</a:t>
+            </a:r>
+            <a:r>
+              <a:rPr lang="ja-JP" altLang="en-US" sz="1200"/>
+              <a:t>先</a:t>
+            </a:r>
+            <a:r>
+              <a:rPr kumimoji="1" lang="ja-JP" altLang="en-US" sz="1200"/>
+              <a:t>の無向グラフ</a:t>
+            </a:r>
+          </a:p>
+        </p:txBody>
+      </p:sp>
+    </p:spTree>
+    <p:extLst>
+      <p:ext uri="{BB962C8B-B14F-4D97-AF65-F5344CB8AC3E}">
+        <p14:creationId xmlns:p14="http://schemas.microsoft.com/office/powerpoint/2010/main" val="1767890313"/>
       </p:ext>
     </p:extLst>
   </p:cSld>
